--- a/result/ppt/猴子打字计划 (2).pptx
+++ b/result/ppt/猴子打字计划 (2).pptx
@@ -28,6 +28,9 @@
     <p:sldId id="278" r:id="rId22"/>
     <p:sldId id="276" r:id="rId23"/>
     <p:sldId id="277" r:id="rId24"/>
+    <p:sldId id="279" r:id="rId25"/>
+    <p:sldId id="280" r:id="rId26"/>
+    <p:sldId id="281" r:id="rId27"/>
   </p:sldIdLst>
   <p:sldSz cx="9144000" cy="6858000" type="screen4x3"/>
   <p:notesSz cx="6858000" cy="9144000"/>
@@ -6977,8 +6980,8 @@
           </a:p>
         </p:txBody>
       </p:sp>
-      <mc:AlternateContent xmlns:mc="http://schemas.openxmlformats.org/markup-compatibility/2006">
-        <mc:Choice xmlns:a14="http://schemas.microsoft.com/office/drawing/2010/main" Requires="a14">
+      <mc:AlternateContent xmlns:mc="http://schemas.openxmlformats.org/markup-compatibility/2006" xmlns:a14="http://schemas.microsoft.com/office/drawing/2010/main">
+        <mc:Choice Requires="a14">
           <p:sp>
             <p:nvSpPr>
               <p:cNvPr id="3" name="内容占位符 2">
@@ -7047,38 +7050,54 @@
                 <a14:m>
                   <m:oMath xmlns:m="http://schemas.openxmlformats.org/officeDocument/2006/math">
                     <m:r>
-                      <a:rPr lang="en-US" altLang="zh-CN" i="1"/>
+                      <a:rPr lang="en-US" altLang="zh-CN" i="1">
+                        <a:latin typeface="Cambria Math" panose="02040503050406030204" pitchFamily="18" charset="0"/>
+                      </a:rPr>
                       <m:t>𝛩</m:t>
                     </m:r>
                     <m:r>
-                      <a:rPr lang="en-US" altLang="zh-CN" i="1"/>
+                      <a:rPr lang="en-US" altLang="zh-CN" i="1">
+                        <a:latin typeface="Cambria Math" panose="02040503050406030204" pitchFamily="18" charset="0"/>
+                      </a:rPr>
                       <m:t>(4300·</m:t>
                     </m:r>
                     <m:r>
                       <m:rPr>
                         <m:sty m:val="p"/>
                       </m:rPr>
-                      <a:rPr lang="en-US" altLang="zh-CN"/>
+                      <a:rPr lang="en-US" altLang="zh-CN">
+                        <a:latin typeface="Cambria Math" panose="02040503050406030204" pitchFamily="18" charset="0"/>
+                      </a:rPr>
                       <m:t>log</m:t>
                     </m:r>
                     <m:r>
-                      <a:rPr lang="en-US" altLang="zh-CN" i="1"/>
+                      <a:rPr lang="en-US" altLang="zh-CN" i="1">
+                        <a:latin typeface="Cambria Math" panose="02040503050406030204" pitchFamily="18" charset="0"/>
+                      </a:rPr>
                       <m:t>4300·|</m:t>
                     </m:r>
                     <m:r>
-                      <a:rPr lang="en-US" altLang="zh-CN" i="1"/>
+                      <a:rPr lang="en-US" altLang="zh-CN" i="1">
+                        <a:latin typeface="Cambria Math" panose="02040503050406030204" pitchFamily="18" charset="0"/>
+                      </a:rPr>
                       <m:t>𝑠</m:t>
                     </m:r>
                     <m:r>
-                      <a:rPr lang="en-US" altLang="zh-CN" i="1"/>
+                      <a:rPr lang="en-US" altLang="zh-CN" i="1">
+                        <a:latin typeface="Cambria Math" panose="02040503050406030204" pitchFamily="18" charset="0"/>
+                      </a:rPr>
                       <m:t>|)≈</m:t>
                     </m:r>
                     <m:r>
-                      <a:rPr lang="en-US" altLang="zh-CN" i="1"/>
+                      <a:rPr lang="en-US" altLang="zh-CN" i="1">
+                        <a:latin typeface="Cambria Math" panose="02040503050406030204" pitchFamily="18" charset="0"/>
+                      </a:rPr>
                       <m:t>𝛩</m:t>
                     </m:r>
                     <m:r>
-                      <a:rPr lang="en-US" altLang="zh-CN" i="1"/>
+                      <a:rPr lang="en-US" altLang="zh-CN" i="1">
+                        <a:latin typeface="Cambria Math" panose="02040503050406030204" pitchFamily="18" charset="0"/>
+                      </a:rPr>
                       <m:t>(500000)</m:t>
                     </m:r>
                   </m:oMath>
@@ -7090,27 +7109,39 @@
                 <a14:m>
                   <m:oMath xmlns:m="http://schemas.openxmlformats.org/officeDocument/2006/math">
                     <m:r>
-                      <a:rPr lang="en-US" altLang="zh-CN" i="1"/>
+                      <a:rPr lang="en-US" altLang="zh-CN" i="1">
+                        <a:latin typeface="Cambria Math" panose="02040503050406030204" pitchFamily="18" charset="0"/>
+                      </a:rPr>
                       <m:t>𝛩</m:t>
                     </m:r>
                     <m:r>
-                      <a:rPr lang="en-US" altLang="zh-CN" i="1"/>
+                      <a:rPr lang="en-US" altLang="zh-CN" i="1">
+                        <a:latin typeface="Cambria Math" panose="02040503050406030204" pitchFamily="18" charset="0"/>
+                      </a:rPr>
                       <m:t>(26·|</m:t>
                     </m:r>
                     <m:r>
-                      <a:rPr lang="en-US" altLang="zh-CN" i="1"/>
+                      <a:rPr lang="en-US" altLang="zh-CN" i="1">
+                        <a:latin typeface="Cambria Math" panose="02040503050406030204" pitchFamily="18" charset="0"/>
+                      </a:rPr>
                       <m:t>𝑠</m:t>
                     </m:r>
                     <m:r>
-                      <a:rPr lang="en-US" altLang="zh-CN" i="1"/>
+                      <a:rPr lang="en-US" altLang="zh-CN" i="1">
+                        <a:latin typeface="Cambria Math" panose="02040503050406030204" pitchFamily="18" charset="0"/>
+                      </a:rPr>
                       <m:t>|)≈</m:t>
                     </m:r>
                     <m:r>
-                      <a:rPr lang="en-US" altLang="zh-CN" i="1"/>
+                      <a:rPr lang="en-US" altLang="zh-CN" i="1">
+                        <a:latin typeface="Cambria Math" panose="02040503050406030204" pitchFamily="18" charset="0"/>
+                      </a:rPr>
                       <m:t>𝛩</m:t>
                     </m:r>
                     <m:r>
-                      <a:rPr lang="en-US" altLang="zh-CN" i="1"/>
+                      <a:rPr lang="en-US" altLang="zh-CN" i="1">
+                        <a:latin typeface="Cambria Math" panose="02040503050406030204" pitchFamily="18" charset="0"/>
+                      </a:rPr>
                       <m:t>(300)</m:t>
                     </m:r>
                   </m:oMath>
@@ -7196,7 +7227,7 @@
             </p:txBody>
           </p:sp>
         </mc:Choice>
-        <mc:Fallback>
+        <mc:Fallback xmlns="">
           <p:sp>
             <p:nvSpPr>
               <p:cNvPr id="3" name="内容占位符 2">
@@ -7399,8 +7430,8 @@
           </a:p>
         </p:txBody>
       </p:sp>
-      <mc:AlternateContent xmlns:mc="http://schemas.openxmlformats.org/markup-compatibility/2006">
-        <mc:Choice xmlns:a14="http://schemas.microsoft.com/office/drawing/2010/main" Requires="a14">
+      <mc:AlternateContent xmlns:mc="http://schemas.openxmlformats.org/markup-compatibility/2006" xmlns:a14="http://schemas.microsoft.com/office/drawing/2010/main">
+        <mc:Choice Requires="a14">
           <p:sp>
             <p:nvSpPr>
               <p:cNvPr id="3" name="内容占位符 2">
@@ -7463,29 +7494,39 @@
                     <m:f>
                       <m:fPr>
                         <m:ctrlPr>
-                          <a:rPr lang="zh-CN" altLang="zh-CN" i="1"/>
+                          <a:rPr lang="zh-CN" altLang="zh-CN" i="1">
+                            <a:latin typeface="Cambria Math" panose="02040503050406030204" pitchFamily="18" charset="0"/>
+                          </a:rPr>
                         </m:ctrlPr>
                       </m:fPr>
                       <m:num>
                         <m:r>
-                          <a:rPr lang="en-US" altLang="zh-CN" i="1"/>
+                          <a:rPr lang="en-US" altLang="zh-CN" i="1">
+                            <a:latin typeface="Cambria Math" panose="02040503050406030204" pitchFamily="18" charset="0"/>
+                          </a:rPr>
                           <m:t>𝑝𝑟𝑜</m:t>
                         </m:r>
                         <m:sSub>
                           <m:sSubPr>
                             <m:ctrlPr>
-                              <a:rPr lang="zh-CN" altLang="zh-CN" i="1"/>
+                              <a:rPr lang="zh-CN" altLang="zh-CN" i="1">
+                                <a:latin typeface="Cambria Math" panose="02040503050406030204" pitchFamily="18" charset="0"/>
+                              </a:rPr>
                             </m:ctrlPr>
                           </m:sSubPr>
                           <m:e>
                             <m:r>
-                              <a:rPr lang="en-US" altLang="zh-CN" i="1"/>
+                              <a:rPr lang="en-US" altLang="zh-CN" i="1">
+                                <a:latin typeface="Cambria Math" panose="02040503050406030204" pitchFamily="18" charset="0"/>
+                              </a:rPr>
                               <m:t>𝑝</m:t>
                             </m:r>
                           </m:e>
                           <m:sub>
                             <m:r>
-                              <a:rPr lang="en-US" altLang="zh-CN" i="1"/>
+                              <a:rPr lang="en-US" altLang="zh-CN" i="1">
+                                <a:latin typeface="Cambria Math" panose="02040503050406030204" pitchFamily="18" charset="0"/>
+                              </a:rPr>
                               <m:t>𝑣</m:t>
                             </m:r>
                           </m:sub>
@@ -7497,37 +7538,51 @@
                             <m:chr m:val="∑"/>
                             <m:limLoc m:val="undOvr"/>
                             <m:ctrlPr>
-                              <a:rPr lang="zh-CN" altLang="zh-CN" i="1"/>
+                              <a:rPr lang="zh-CN" altLang="zh-CN" i="1">
+                                <a:latin typeface="Cambria Math" panose="02040503050406030204" pitchFamily="18" charset="0"/>
+                              </a:rPr>
                             </m:ctrlPr>
                           </m:naryPr>
                           <m:sub>
                             <m:r>
-                              <a:rPr lang="en-US" altLang="zh-CN" i="1"/>
+                              <a:rPr lang="en-US" altLang="zh-CN" i="1">
+                                <a:latin typeface="Cambria Math" panose="02040503050406030204" pitchFamily="18" charset="0"/>
+                              </a:rPr>
                               <m:t>𝑤</m:t>
                             </m:r>
                             <m:r>
-                              <a:rPr lang="en-US" altLang="zh-CN" i="1"/>
+                              <a:rPr lang="en-US" altLang="zh-CN" i="1">
+                                <a:latin typeface="Cambria Math" panose="02040503050406030204" pitchFamily="18" charset="0"/>
+                              </a:rPr>
                               <m:t>∈</m:t>
                             </m:r>
                             <m:r>
-                              <a:rPr lang="en-US" altLang="zh-CN" i="1"/>
+                              <a:rPr lang="en-US" altLang="zh-CN" i="1">
+                                <a:latin typeface="Cambria Math" panose="02040503050406030204" pitchFamily="18" charset="0"/>
+                              </a:rPr>
                               <m:t>𝑛𝑥</m:t>
                             </m:r>
                             <m:sSub>
                               <m:sSubPr>
                                 <m:ctrlPr>
-                                  <a:rPr lang="zh-CN" altLang="zh-CN" i="1"/>
+                                  <a:rPr lang="zh-CN" altLang="zh-CN" i="1">
+                                    <a:latin typeface="Cambria Math" panose="02040503050406030204" pitchFamily="18" charset="0"/>
+                                  </a:rPr>
                                 </m:ctrlPr>
                               </m:sSubPr>
                               <m:e>
                                 <m:r>
-                                  <a:rPr lang="en-US" altLang="zh-CN" i="1"/>
+                                  <a:rPr lang="en-US" altLang="zh-CN" i="1">
+                                    <a:latin typeface="Cambria Math" panose="02040503050406030204" pitchFamily="18" charset="0"/>
+                                  </a:rPr>
                                   <m:t>𝑡</m:t>
                                 </m:r>
                               </m:e>
                               <m:sub>
                                 <m:r>
-                                  <a:rPr lang="en-US" altLang="zh-CN" i="1"/>
+                                  <a:rPr lang="en-US" altLang="zh-CN" i="1">
+                                    <a:latin typeface="Cambria Math" panose="02040503050406030204" pitchFamily="18" charset="0"/>
+                                  </a:rPr>
                                   <m:t>𝑢</m:t>
                                 </m:r>
                               </m:sub>
@@ -7535,36 +7590,48 @@
                           </m:sub>
                           <m:sup>
                             <m:r>
-                              <a:rPr lang="en-US" altLang="zh-CN" i="1"/>
+                              <a:rPr lang="en-US" altLang="zh-CN" i="1">
+                                <a:latin typeface="Cambria Math" panose="02040503050406030204" pitchFamily="18" charset="0"/>
+                              </a:rPr>
                               <m:t>​</m:t>
                             </m:r>
                           </m:sup>
                           <m:e>
                             <m:r>
-                              <a:rPr lang="en-US" altLang="zh-CN" i="1"/>
+                              <a:rPr lang="en-US" altLang="zh-CN" i="1">
+                                <a:latin typeface="Cambria Math" panose="02040503050406030204" pitchFamily="18" charset="0"/>
+                              </a:rPr>
                               <m:t>𝑝</m:t>
                             </m:r>
                           </m:e>
                         </m:nary>
                         <m:r>
-                          <a:rPr lang="en-US" altLang="zh-CN" i="1"/>
+                          <a:rPr lang="en-US" altLang="zh-CN" i="1">
+                            <a:latin typeface="Cambria Math" panose="02040503050406030204" pitchFamily="18" charset="0"/>
+                          </a:rPr>
                           <m:t>𝑟𝑜</m:t>
                         </m:r>
                         <m:sSub>
                           <m:sSubPr>
                             <m:ctrlPr>
-                              <a:rPr lang="zh-CN" altLang="zh-CN" i="1"/>
+                              <a:rPr lang="zh-CN" altLang="zh-CN" i="1">
+                                <a:latin typeface="Cambria Math" panose="02040503050406030204" pitchFamily="18" charset="0"/>
+                              </a:rPr>
                             </m:ctrlPr>
                           </m:sSubPr>
                           <m:e>
                             <m:r>
-                              <a:rPr lang="en-US" altLang="zh-CN" i="1"/>
+                              <a:rPr lang="en-US" altLang="zh-CN" i="1">
+                                <a:latin typeface="Cambria Math" panose="02040503050406030204" pitchFamily="18" charset="0"/>
+                              </a:rPr>
                               <m:t>𝑝</m:t>
                             </m:r>
                           </m:e>
                           <m:sub>
                             <m:r>
-                              <a:rPr lang="en-US" altLang="zh-CN" i="1"/>
+                              <a:rPr lang="en-US" altLang="zh-CN" i="1">
+                                <a:latin typeface="Cambria Math" panose="02040503050406030204" pitchFamily="18" charset="0"/>
+                              </a:rPr>
                               <m:t>𝑤</m:t>
                             </m:r>
                           </m:sub>
@@ -7580,24 +7647,32 @@
                 <a14:m>
                   <m:oMath xmlns:m="http://schemas.openxmlformats.org/officeDocument/2006/math">
                     <m:r>
-                      <a:rPr lang="en-US" altLang="zh-CN" i="1"/>
+                      <a:rPr lang="en-US" altLang="zh-CN" i="1">
+                        <a:latin typeface="Cambria Math" panose="02040503050406030204" pitchFamily="18" charset="0"/>
+                      </a:rPr>
                       <m:t>𝑛𝑥</m:t>
                     </m:r>
                     <m:sSub>
                       <m:sSubPr>
                         <m:ctrlPr>
-                          <a:rPr lang="zh-CN" altLang="zh-CN" i="1"/>
+                          <a:rPr lang="zh-CN" altLang="zh-CN" i="1">
+                            <a:latin typeface="Cambria Math" panose="02040503050406030204" pitchFamily="18" charset="0"/>
+                          </a:rPr>
                         </m:ctrlPr>
                       </m:sSubPr>
                       <m:e>
                         <m:r>
-                          <a:rPr lang="en-US" altLang="zh-CN" i="1"/>
+                          <a:rPr lang="en-US" altLang="zh-CN" i="1">
+                            <a:latin typeface="Cambria Math" panose="02040503050406030204" pitchFamily="18" charset="0"/>
+                          </a:rPr>
                           <m:t>𝑡</m:t>
                         </m:r>
                       </m:e>
                       <m:sub>
                         <m:r>
-                          <a:rPr lang="en-US" altLang="zh-CN" i="1"/>
+                          <a:rPr lang="en-US" altLang="zh-CN" i="1">
+                            <a:latin typeface="Cambria Math" panose="02040503050406030204" pitchFamily="18" charset="0"/>
+                          </a:rPr>
                           <m:t>𝑢</m:t>
                         </m:r>
                       </m:sub>
@@ -7611,7 +7686,9 @@
                 <a14:m>
                   <m:oMath xmlns:m="http://schemas.openxmlformats.org/officeDocument/2006/math">
                     <m:r>
-                      <a:rPr lang="en-US" altLang="zh-CN" i="1"/>
+                      <a:rPr lang="en-US" altLang="zh-CN" i="1">
+                        <a:latin typeface="Cambria Math" panose="02040503050406030204" pitchFamily="18" charset="0"/>
+                      </a:rPr>
                       <m:t>𝑢</m:t>
                     </m:r>
                   </m:oMath>
@@ -7627,37 +7704,51 @@
                         <m:chr m:val="∑"/>
                         <m:limLoc m:val="undOvr"/>
                         <m:ctrlPr>
-                          <a:rPr lang="zh-CN" altLang="zh-CN" i="1"/>
+                          <a:rPr lang="zh-CN" altLang="zh-CN" i="1">
+                            <a:latin typeface="Cambria Math" panose="02040503050406030204" pitchFamily="18" charset="0"/>
+                          </a:rPr>
                         </m:ctrlPr>
                       </m:naryPr>
                       <m:sub>
                         <m:r>
-                          <a:rPr lang="en-US" altLang="zh-CN" i="1"/>
+                          <a:rPr lang="en-US" altLang="zh-CN" i="1">
+                            <a:latin typeface="Cambria Math" panose="02040503050406030204" pitchFamily="18" charset="0"/>
+                          </a:rPr>
                           <m:t>𝑣</m:t>
                         </m:r>
                         <m:r>
-                          <a:rPr lang="en-US" altLang="zh-CN" i="1"/>
+                          <a:rPr lang="en-US" altLang="zh-CN" i="1">
+                            <a:latin typeface="Cambria Math" panose="02040503050406030204" pitchFamily="18" charset="0"/>
+                          </a:rPr>
                           <m:t>∈</m:t>
                         </m:r>
                         <m:r>
-                          <a:rPr lang="en-US" altLang="zh-CN" i="1"/>
+                          <a:rPr lang="en-US" altLang="zh-CN" i="1">
+                            <a:latin typeface="Cambria Math" panose="02040503050406030204" pitchFamily="18" charset="0"/>
+                          </a:rPr>
                           <m:t>𝑛𝑥</m:t>
                         </m:r>
                         <m:sSub>
                           <m:sSubPr>
                             <m:ctrlPr>
-                              <a:rPr lang="zh-CN" altLang="zh-CN" i="1"/>
+                              <a:rPr lang="zh-CN" altLang="zh-CN" i="1">
+                                <a:latin typeface="Cambria Math" panose="02040503050406030204" pitchFamily="18" charset="0"/>
+                              </a:rPr>
                             </m:ctrlPr>
                           </m:sSubPr>
                           <m:e>
                             <m:r>
-                              <a:rPr lang="en-US" altLang="zh-CN" i="1"/>
+                              <a:rPr lang="en-US" altLang="zh-CN" i="1">
+                                <a:latin typeface="Cambria Math" panose="02040503050406030204" pitchFamily="18" charset="0"/>
+                              </a:rPr>
                               <m:t>𝑡</m:t>
                             </m:r>
                           </m:e>
                           <m:sub>
                             <m:r>
-                              <a:rPr lang="en-US" altLang="zh-CN" i="1"/>
+                              <a:rPr lang="en-US" altLang="zh-CN" i="1">
+                                <a:latin typeface="Cambria Math" panose="02040503050406030204" pitchFamily="18" charset="0"/>
+                              </a:rPr>
                               <m:t>𝑢</m:t>
                             </m:r>
                           </m:sub>
@@ -7665,7 +7756,9 @@
                       </m:sub>
                       <m:sup>
                         <m:r>
-                          <a:rPr lang="en-US" altLang="zh-CN" i="1"/>
+                          <a:rPr lang="en-US" altLang="zh-CN" i="1">
+                            <a:latin typeface="Cambria Math" panose="02040503050406030204" pitchFamily="18" charset="0"/>
+                          </a:rPr>
                           <m:t>​</m:t>
                         </m:r>
                       </m:sup>
@@ -7673,26 +7766,36 @@
                         <m:sSub>
                           <m:sSubPr>
                             <m:ctrlPr>
-                              <a:rPr lang="zh-CN" altLang="zh-CN" i="1"/>
+                              <a:rPr lang="zh-CN" altLang="zh-CN" i="1">
+                                <a:latin typeface="Cambria Math" panose="02040503050406030204" pitchFamily="18" charset="0"/>
+                              </a:rPr>
                             </m:ctrlPr>
                           </m:sSubPr>
                           <m:e>
                             <m:r>
-                              <a:rPr lang="en-US" altLang="zh-CN" i="1"/>
+                              <a:rPr lang="en-US" altLang="zh-CN" i="1">
+                                <a:latin typeface="Cambria Math" panose="02040503050406030204" pitchFamily="18" charset="0"/>
+                              </a:rPr>
                               <m:t>𝑊</m:t>
                             </m:r>
                           </m:e>
                           <m:sub>
                             <m:r>
-                              <a:rPr lang="en-US" altLang="zh-CN" i="1"/>
+                              <a:rPr lang="en-US" altLang="zh-CN" i="1">
+                                <a:latin typeface="Cambria Math" panose="02040503050406030204" pitchFamily="18" charset="0"/>
+                              </a:rPr>
                               <m:t>𝑢</m:t>
                             </m:r>
                             <m:r>
-                              <a:rPr lang="en-US" altLang="zh-CN" i="1"/>
+                              <a:rPr lang="en-US" altLang="zh-CN" i="1">
+                                <a:latin typeface="Cambria Math" panose="02040503050406030204" pitchFamily="18" charset="0"/>
+                              </a:rPr>
                               <m:t>,</m:t>
                             </m:r>
                             <m:r>
-                              <a:rPr lang="en-US" altLang="zh-CN" i="1"/>
+                              <a:rPr lang="en-US" altLang="zh-CN" i="1">
+                                <a:latin typeface="Cambria Math" panose="02040503050406030204" pitchFamily="18" charset="0"/>
+                              </a:rPr>
                               <m:t>𝑣</m:t>
                             </m:r>
                           </m:sub>
@@ -7700,7 +7803,9 @@
                       </m:e>
                     </m:nary>
                     <m:r>
-                      <a:rPr lang="en-US" altLang="zh-CN" i="1"/>
+                      <a:rPr lang="en-US" altLang="zh-CN" i="1">
+                        <a:latin typeface="Cambria Math" panose="02040503050406030204" pitchFamily="18" charset="0"/>
+                      </a:rPr>
                       <m:t>=1</m:t>
                     </m:r>
                   </m:oMath>
@@ -7714,26 +7819,36 @@
                     <m:sSub>
                       <m:sSubPr>
                         <m:ctrlPr>
-                          <a:rPr lang="zh-CN" altLang="zh-CN" i="1"/>
+                          <a:rPr lang="zh-CN" altLang="zh-CN" i="1">
+                            <a:latin typeface="Cambria Math" panose="02040503050406030204" pitchFamily="18" charset="0"/>
+                          </a:rPr>
                         </m:ctrlPr>
                       </m:sSubPr>
                       <m:e>
                         <m:r>
-                          <a:rPr lang="en-US" altLang="zh-CN" i="1"/>
+                          <a:rPr lang="en-US" altLang="zh-CN" i="1">
+                            <a:latin typeface="Cambria Math" panose="02040503050406030204" pitchFamily="18" charset="0"/>
+                          </a:rPr>
                           <m:t>𝑊</m:t>
                         </m:r>
                       </m:e>
                       <m:sub>
                         <m:r>
-                          <a:rPr lang="en-US" altLang="zh-CN" i="1"/>
+                          <a:rPr lang="en-US" altLang="zh-CN" i="1">
+                            <a:latin typeface="Cambria Math" panose="02040503050406030204" pitchFamily="18" charset="0"/>
+                          </a:rPr>
                           <m:t>𝑢</m:t>
                         </m:r>
                         <m:r>
-                          <a:rPr lang="en-US" altLang="zh-CN" i="1"/>
+                          <a:rPr lang="en-US" altLang="zh-CN" i="1">
+                            <a:latin typeface="Cambria Math" panose="02040503050406030204" pitchFamily="18" charset="0"/>
+                          </a:rPr>
                           <m:t>,</m:t>
                         </m:r>
                         <m:r>
-                          <a:rPr lang="en-US" altLang="zh-CN" i="1"/>
+                          <a:rPr lang="en-US" altLang="zh-CN" i="1">
+                            <a:latin typeface="Cambria Math" panose="02040503050406030204" pitchFamily="18" charset="0"/>
+                          </a:rPr>
                           <m:t>𝑣</m:t>
                         </m:r>
                       </m:sub>
@@ -7747,23 +7862,33 @@
                 <a14:m>
                   <m:oMath xmlns:m="http://schemas.openxmlformats.org/officeDocument/2006/math">
                     <m:r>
-                      <a:rPr lang="en-US" altLang="zh-CN" i="1"/>
+                      <a:rPr lang="en-US" altLang="zh-CN" i="1">
+                        <a:latin typeface="Cambria Math" panose="02040503050406030204" pitchFamily="18" charset="0"/>
+                      </a:rPr>
                       <m:t>&lt;</m:t>
                     </m:r>
                     <m:r>
-                      <a:rPr lang="en-US" altLang="zh-CN" i="1"/>
+                      <a:rPr lang="en-US" altLang="zh-CN" i="1">
+                        <a:latin typeface="Cambria Math" panose="02040503050406030204" pitchFamily="18" charset="0"/>
+                      </a:rPr>
                       <m:t>𝑢</m:t>
                     </m:r>
                     <m:r>
-                      <a:rPr lang="en-US" altLang="zh-CN" i="1"/>
+                      <a:rPr lang="en-US" altLang="zh-CN" i="1">
+                        <a:latin typeface="Cambria Math" panose="02040503050406030204" pitchFamily="18" charset="0"/>
+                      </a:rPr>
                       <m:t>,</m:t>
                     </m:r>
                     <m:r>
-                      <a:rPr lang="en-US" altLang="zh-CN" i="1"/>
+                      <a:rPr lang="en-US" altLang="zh-CN" i="1">
+                        <a:latin typeface="Cambria Math" panose="02040503050406030204" pitchFamily="18" charset="0"/>
+                      </a:rPr>
                       <m:t>𝑣</m:t>
                     </m:r>
                     <m:r>
-                      <a:rPr lang="en-US" altLang="zh-CN" i="1"/>
+                      <a:rPr lang="en-US" altLang="zh-CN" i="1">
+                        <a:latin typeface="Cambria Math" panose="02040503050406030204" pitchFamily="18" charset="0"/>
+                      </a:rPr>
                       <m:t>&gt;</m:t>
                     </m:r>
                   </m:oMath>
@@ -7785,7 +7910,7 @@
             </p:txBody>
           </p:sp>
         </mc:Choice>
-        <mc:Fallback>
+        <mc:Fallback xmlns="">
           <p:sp>
             <p:nvSpPr>
               <p:cNvPr id="3" name="内容占位符 2">
@@ -7829,6 +7954,360 @@
     <p:extLst>
       <p:ext uri="{BB962C8B-B14F-4D97-AF65-F5344CB8AC3E}">
         <p14:creationId xmlns:p14="http://schemas.microsoft.com/office/powerpoint/2010/main" val="1260253027"/>
+      </p:ext>
+    </p:extLst>
+  </p:cSld>
+  <p:clrMapOvr>
+    <a:masterClrMapping/>
+  </p:clrMapOvr>
+</p:sld>
+</file>
+
+<file path=ppt/slides/slide24.xml><?xml version="1.0" encoding="utf-8"?>
+<p:sld xmlns:a="http://schemas.openxmlformats.org/drawingml/2006/main" xmlns:r="http://schemas.openxmlformats.org/officeDocument/2006/relationships" xmlns:p="http://schemas.openxmlformats.org/presentationml/2006/main">
+  <p:cSld>
+    <p:spTree>
+      <p:nvGrpSpPr>
+        <p:cNvPr id="1" name=""/>
+        <p:cNvGrpSpPr/>
+        <p:nvPr/>
+      </p:nvGrpSpPr>
+      <p:grpSpPr>
+        <a:xfrm>
+          <a:off x="0" y="0"/>
+          <a:ext cx="0" cy="0"/>
+          <a:chOff x="0" y="0"/>
+          <a:chExt cx="0" cy="0"/>
+        </a:xfrm>
+      </p:grpSpPr>
+      <p:sp>
+        <p:nvSpPr>
+          <p:cNvPr id="2" name="标题 1">
+            <a:extLst>
+              <a:ext uri="{FF2B5EF4-FFF2-40B4-BE49-F238E27FC236}">
+                <a16:creationId xmlns:a16="http://schemas.microsoft.com/office/drawing/2014/main" id="{F6E9142C-3B19-4A1D-BE48-EEDC445E37F7}"/>
+              </a:ext>
+            </a:extLst>
+          </p:cNvPr>
+          <p:cNvSpPr>
+            <a:spLocks noGrp="1"/>
+          </p:cNvSpPr>
+          <p:nvPr>
+            <p:ph type="title"/>
+          </p:nvPr>
+        </p:nvSpPr>
+        <p:spPr/>
+        <p:txBody>
+          <a:bodyPr/>
+          <a:lstStyle/>
+          <a:p>
+            <a:r>
+              <a:rPr lang="en-US" altLang="zh-CN" dirty="0"/>
+              <a:t>7 </a:t>
+            </a:r>
+            <a:r>
+              <a:rPr lang="zh-CN" altLang="zh-CN" dirty="0"/>
+              <a:t>项目意义与展望</a:t>
+            </a:r>
+            <a:endParaRPr lang="zh-CN" altLang="en-US" dirty="0"/>
+          </a:p>
+        </p:txBody>
+      </p:sp>
+      <p:sp>
+        <p:nvSpPr>
+          <p:cNvPr id="3" name="内容占位符 2">
+            <a:extLst>
+              <a:ext uri="{FF2B5EF4-FFF2-40B4-BE49-F238E27FC236}">
+                <a16:creationId xmlns:a16="http://schemas.microsoft.com/office/drawing/2014/main" id="{8F004A1B-D509-4B2D-A88E-7E24740826FE}"/>
+              </a:ext>
+            </a:extLst>
+          </p:cNvPr>
+          <p:cNvSpPr>
+            <a:spLocks noGrp="1"/>
+          </p:cNvSpPr>
+          <p:nvPr>
+            <p:ph idx="1"/>
+          </p:nvPr>
+        </p:nvSpPr>
+        <p:spPr/>
+        <p:txBody>
+          <a:bodyPr/>
+          <a:lstStyle/>
+          <a:p>
+            <a:r>
+              <a:rPr lang="zh-CN" altLang="zh-CN" dirty="0"/>
+              <a:t>这个项目可能在拼写检查中有所意义，因为生成单词的逆操作其实就是检查某个单词是否合法，如果我们的程序能获得足够的单词数据，就能判断某个单词是否在我们生成的图中存在。</a:t>
+            </a:r>
+          </a:p>
+          <a:p>
+            <a:r>
+              <a:rPr lang="zh-CN" altLang="zh-CN" dirty="0"/>
+              <a:t>如果利用这种算法改进拼写检查的算法，便不需要将所有的单词都存储下来（因为我们的算法在存储过程中仅仅会保留单词之间有差异的部分），能有效的节省存储空间。</a:t>
+            </a:r>
+          </a:p>
+          <a:p>
+            <a:r>
+              <a:rPr lang="zh-CN" altLang="zh-CN" dirty="0"/>
+              <a:t>不过如果需要实现到这一步，我们需要大幅提高我们生成单词过程的精确度，才能提供足够的准确拼写检查。</a:t>
+            </a:r>
+          </a:p>
+        </p:txBody>
+      </p:sp>
+    </p:spTree>
+    <p:extLst>
+      <p:ext uri="{BB962C8B-B14F-4D97-AF65-F5344CB8AC3E}">
+        <p14:creationId xmlns:p14="http://schemas.microsoft.com/office/powerpoint/2010/main" val="1625801919"/>
+      </p:ext>
+    </p:extLst>
+  </p:cSld>
+  <p:clrMapOvr>
+    <a:masterClrMapping/>
+  </p:clrMapOvr>
+</p:sld>
+</file>
+
+<file path=ppt/slides/slide25.xml><?xml version="1.0" encoding="utf-8"?>
+<p:sld xmlns:a="http://schemas.openxmlformats.org/drawingml/2006/main" xmlns:r="http://schemas.openxmlformats.org/officeDocument/2006/relationships" xmlns:p="http://schemas.openxmlformats.org/presentationml/2006/main">
+  <p:cSld>
+    <p:spTree>
+      <p:nvGrpSpPr>
+        <p:cNvPr id="1" name=""/>
+        <p:cNvGrpSpPr/>
+        <p:nvPr/>
+      </p:nvGrpSpPr>
+      <p:grpSpPr>
+        <a:xfrm>
+          <a:off x="0" y="0"/>
+          <a:ext cx="0" cy="0"/>
+          <a:chOff x="0" y="0"/>
+          <a:chExt cx="0" cy="0"/>
+        </a:xfrm>
+      </p:grpSpPr>
+      <p:sp>
+        <p:nvSpPr>
+          <p:cNvPr id="2" name="标题 1">
+            <a:extLst>
+              <a:ext uri="{FF2B5EF4-FFF2-40B4-BE49-F238E27FC236}">
+                <a16:creationId xmlns:a16="http://schemas.microsoft.com/office/drawing/2014/main" id="{F6E9142C-3B19-4A1D-BE48-EEDC445E37F7}"/>
+              </a:ext>
+            </a:extLst>
+          </p:cNvPr>
+          <p:cNvSpPr>
+            <a:spLocks noGrp="1"/>
+          </p:cNvSpPr>
+          <p:nvPr>
+            <p:ph type="title"/>
+          </p:nvPr>
+        </p:nvSpPr>
+        <p:spPr/>
+        <p:txBody>
+          <a:bodyPr/>
+          <a:lstStyle/>
+          <a:p>
+            <a:r>
+              <a:rPr lang="en-US" altLang="zh-CN" dirty="0"/>
+              <a:t>8 </a:t>
+            </a:r>
+            <a:r>
+              <a:rPr lang="en-US" altLang="zh-CN" dirty="0" err="1"/>
+              <a:t>参考文献</a:t>
+            </a:r>
+            <a:r>
+              <a:rPr lang="en-US" altLang="zh-CN" dirty="0"/>
+              <a:t>/</a:t>
+            </a:r>
+            <a:r>
+              <a:rPr lang="en-US" altLang="zh-CN" dirty="0" err="1"/>
+              <a:t>数据</a:t>
+            </a:r>
+            <a:endParaRPr lang="zh-CN" altLang="en-US" dirty="0"/>
+          </a:p>
+        </p:txBody>
+      </p:sp>
+      <p:sp>
+        <p:nvSpPr>
+          <p:cNvPr id="3" name="内容占位符 2">
+            <a:extLst>
+              <a:ext uri="{FF2B5EF4-FFF2-40B4-BE49-F238E27FC236}">
+                <a16:creationId xmlns:a16="http://schemas.microsoft.com/office/drawing/2014/main" id="{8F004A1B-D509-4B2D-A88E-7E24740826FE}"/>
+              </a:ext>
+            </a:extLst>
+          </p:cNvPr>
+          <p:cNvSpPr>
+            <a:spLocks noGrp="1"/>
+          </p:cNvSpPr>
+          <p:nvPr>
+            <p:ph idx="1"/>
+          </p:nvPr>
+        </p:nvSpPr>
+        <p:spPr/>
+        <p:txBody>
+          <a:bodyPr/>
+          <a:lstStyle/>
+          <a:p>
+            <a:pPr lvl="0"/>
+            <a:r>
+              <a:rPr lang="en-US" altLang="zh-CN" b="1" dirty="0">
+                <a:hlinkClick r:id="rId2"/>
+              </a:rPr>
+              <a:t>https://github.com/dwyl/english-words</a:t>
+            </a:r>
+            <a:r>
+              <a:rPr lang="en-US" altLang="zh-CN" dirty="0"/>
+              <a:t> </a:t>
+            </a:r>
+            <a:r>
+              <a:rPr lang="zh-CN" altLang="zh-CN" dirty="0"/>
+              <a:t>一个较大的英语单词库</a:t>
+            </a:r>
+          </a:p>
+          <a:p>
+            <a:pPr lvl="0"/>
+            <a:r>
+              <a:rPr lang="en-US" altLang="zh-CN" b="1" dirty="0">
+                <a:hlinkClick r:id="rId3"/>
+              </a:rPr>
+              <a:t>https://blog.csdn.net/songzitea/article/details/8864122</a:t>
+            </a:r>
+            <a:r>
+              <a:rPr lang="en-US" altLang="zh-CN" dirty="0"/>
+              <a:t> </a:t>
+            </a:r>
+            <a:r>
+              <a:rPr lang="zh-CN" altLang="zh-CN" dirty="0"/>
+              <a:t>利用马尔可夫链生成有意义的句子。</a:t>
+            </a:r>
+          </a:p>
+        </p:txBody>
+      </p:sp>
+    </p:spTree>
+    <p:extLst>
+      <p:ext uri="{BB962C8B-B14F-4D97-AF65-F5344CB8AC3E}">
+        <p14:creationId xmlns:p14="http://schemas.microsoft.com/office/powerpoint/2010/main" val="603227068"/>
+      </p:ext>
+    </p:extLst>
+  </p:cSld>
+  <p:clrMapOvr>
+    <a:masterClrMapping/>
+  </p:clrMapOvr>
+</p:sld>
+</file>
+
+<file path=ppt/slides/slide26.xml><?xml version="1.0" encoding="utf-8"?>
+<p:sld xmlns:a="http://schemas.openxmlformats.org/drawingml/2006/main" xmlns:r="http://schemas.openxmlformats.org/officeDocument/2006/relationships" xmlns:p="http://schemas.openxmlformats.org/presentationml/2006/main">
+  <p:cSld>
+    <p:spTree>
+      <p:nvGrpSpPr>
+        <p:cNvPr id="1" name=""/>
+        <p:cNvGrpSpPr/>
+        <p:nvPr/>
+      </p:nvGrpSpPr>
+      <p:grpSpPr>
+        <a:xfrm>
+          <a:off x="0" y="0"/>
+          <a:ext cx="0" cy="0"/>
+          <a:chOff x="0" y="0"/>
+          <a:chExt cx="0" cy="0"/>
+        </a:xfrm>
+      </p:grpSpPr>
+      <p:sp>
+        <p:nvSpPr>
+          <p:cNvPr id="2" name="标题 1">
+            <a:extLst>
+              <a:ext uri="{FF2B5EF4-FFF2-40B4-BE49-F238E27FC236}">
+                <a16:creationId xmlns:a16="http://schemas.microsoft.com/office/drawing/2014/main" id="{F6E9142C-3B19-4A1D-BE48-EEDC445E37F7}"/>
+              </a:ext>
+            </a:extLst>
+          </p:cNvPr>
+          <p:cNvSpPr>
+            <a:spLocks noGrp="1"/>
+          </p:cNvSpPr>
+          <p:nvPr>
+            <p:ph type="title"/>
+          </p:nvPr>
+        </p:nvSpPr>
+        <p:spPr/>
+        <p:txBody>
+          <a:bodyPr/>
+          <a:lstStyle/>
+          <a:p>
+            <a:r>
+              <a:rPr lang="en-US" altLang="zh-CN" dirty="0"/>
+              <a:t>9 </a:t>
+            </a:r>
+            <a:r>
+              <a:rPr lang="zh-CN" altLang="en-US" dirty="0"/>
+              <a:t>致谢</a:t>
+            </a:r>
+          </a:p>
+        </p:txBody>
+      </p:sp>
+      <p:sp>
+        <p:nvSpPr>
+          <p:cNvPr id="3" name="内容占位符 2">
+            <a:extLst>
+              <a:ext uri="{FF2B5EF4-FFF2-40B4-BE49-F238E27FC236}">
+                <a16:creationId xmlns:a16="http://schemas.microsoft.com/office/drawing/2014/main" id="{8F004A1B-D509-4B2D-A88E-7E24740826FE}"/>
+              </a:ext>
+            </a:extLst>
+          </p:cNvPr>
+          <p:cNvSpPr>
+            <a:spLocks noGrp="1"/>
+          </p:cNvSpPr>
+          <p:nvPr>
+            <p:ph idx="1"/>
+          </p:nvPr>
+        </p:nvSpPr>
+        <p:spPr/>
+        <p:txBody>
+          <a:bodyPr/>
+          <a:lstStyle/>
+          <a:p>
+            <a:r>
+              <a:rPr lang="zh-CN" altLang="zh-CN" dirty="0"/>
+              <a:t>感谢尊敬的王楚老师，肖然老师为我们的汇报提供了选题上的意见，以及为对我们在研究过程中不懂得一些问题进行答疑。</a:t>
+            </a:r>
+          </a:p>
+          <a:p>
+            <a:r>
+              <a:rPr lang="zh-CN" altLang="zh-CN" dirty="0"/>
+              <a:t>感谢</a:t>
+            </a:r>
+            <a:r>
+              <a:rPr lang="en-US" altLang="zh-CN" dirty="0" err="1"/>
+              <a:t>etherpad</a:t>
+            </a:r>
+            <a:r>
+              <a:rPr lang="zh-CN" altLang="zh-CN" dirty="0"/>
+              <a:t>提供在线写论文的平台。</a:t>
+            </a:r>
+          </a:p>
+          <a:p>
+            <a:r>
+              <a:rPr lang="zh-CN" altLang="zh-CN" dirty="0"/>
+              <a:t>感谢</a:t>
+            </a:r>
+            <a:r>
+              <a:rPr lang="en-US" altLang="zh-CN" dirty="0"/>
+              <a:t>GitHub</a:t>
+            </a:r>
+            <a:r>
+              <a:rPr lang="zh-CN" altLang="zh-CN" dirty="0"/>
+              <a:t>提供的开源项目平台。</a:t>
+            </a:r>
+          </a:p>
+          <a:p>
+            <a:r>
+              <a:rPr lang="zh-CN" altLang="zh-CN"/>
+              <a:t>感谢海淀图书馆以及某咖啡厅提供集体讨论的地方。</a:t>
+            </a:r>
+          </a:p>
+        </p:txBody>
+      </p:sp>
+    </p:spTree>
+    <p:extLst>
+      <p:ext uri="{BB962C8B-B14F-4D97-AF65-F5344CB8AC3E}">
+        <p14:creationId xmlns:p14="http://schemas.microsoft.com/office/powerpoint/2010/main" val="2884733573"/>
       </p:ext>
     </p:extLst>
   </p:cSld>

--- a/result/ppt/猴子打字计划 (2).pptx
+++ b/result/ppt/猴子打字计划 (2).pptx
@@ -6,31 +6,32 @@
   </p:sldMasterIdLst>
   <p:sldIdLst>
     <p:sldId id="256" r:id="rId2"/>
-    <p:sldId id="257" r:id="rId3"/>
-    <p:sldId id="258" r:id="rId4"/>
-    <p:sldId id="259" r:id="rId5"/>
-    <p:sldId id="260" r:id="rId6"/>
-    <p:sldId id="261" r:id="rId7"/>
-    <p:sldId id="262" r:id="rId8"/>
-    <p:sldId id="263" r:id="rId9"/>
-    <p:sldId id="264" r:id="rId10"/>
-    <p:sldId id="265" r:id="rId11"/>
-    <p:sldId id="266" r:id="rId12"/>
-    <p:sldId id="267" r:id="rId13"/>
-    <p:sldId id="268" r:id="rId14"/>
-    <p:sldId id="269" r:id="rId15"/>
-    <p:sldId id="270" r:id="rId16"/>
-    <p:sldId id="271" r:id="rId17"/>
-    <p:sldId id="272" r:id="rId18"/>
-    <p:sldId id="273" r:id="rId19"/>
-    <p:sldId id="274" r:id="rId20"/>
-    <p:sldId id="275" r:id="rId21"/>
-    <p:sldId id="278" r:id="rId22"/>
-    <p:sldId id="276" r:id="rId23"/>
-    <p:sldId id="277" r:id="rId24"/>
-    <p:sldId id="279" r:id="rId25"/>
-    <p:sldId id="280" r:id="rId26"/>
-    <p:sldId id="281" r:id="rId27"/>
+    <p:sldId id="283" r:id="rId3"/>
+    <p:sldId id="257" r:id="rId4"/>
+    <p:sldId id="258" r:id="rId5"/>
+    <p:sldId id="259" r:id="rId6"/>
+    <p:sldId id="260" r:id="rId7"/>
+    <p:sldId id="261" r:id="rId8"/>
+    <p:sldId id="262" r:id="rId9"/>
+    <p:sldId id="263" r:id="rId10"/>
+    <p:sldId id="264" r:id="rId11"/>
+    <p:sldId id="265" r:id="rId12"/>
+    <p:sldId id="266" r:id="rId13"/>
+    <p:sldId id="267" r:id="rId14"/>
+    <p:sldId id="268" r:id="rId15"/>
+    <p:sldId id="269" r:id="rId16"/>
+    <p:sldId id="270" r:id="rId17"/>
+    <p:sldId id="271" r:id="rId18"/>
+    <p:sldId id="272" r:id="rId19"/>
+    <p:sldId id="273" r:id="rId20"/>
+    <p:sldId id="274" r:id="rId21"/>
+    <p:sldId id="275" r:id="rId22"/>
+    <p:sldId id="278" r:id="rId23"/>
+    <p:sldId id="276" r:id="rId24"/>
+    <p:sldId id="277" r:id="rId25"/>
+    <p:sldId id="279" r:id="rId26"/>
+    <p:sldId id="280" r:id="rId27"/>
+    <p:sldId id="281" r:id="rId28"/>
   </p:sldIdLst>
   <p:sldSz cx="9144000" cy="6858000" type="screen4x3"/>
   <p:notesSz cx="6858000" cy="9144000"/>
@@ -211,7 +212,7 @@
           <a:p>
             <a:fld id="{C99335B2-46C0-4153-BD16-B3CACF54906E}" type="datetimeFigureOut">
               <a:rPr lang="zh-CN" altLang="en-US" smtClean="0"/>
-              <a:t>2019/6/28</a:t>
+              <a:t>2019/7/1</a:t>
             </a:fld>
             <a:endParaRPr lang="zh-CN" altLang="en-US"/>
           </a:p>
@@ -558,7 +559,7 @@
           <a:p>
             <a:fld id="{C99335B2-46C0-4153-BD16-B3CACF54906E}" type="datetimeFigureOut">
               <a:rPr lang="zh-CN" altLang="en-US" smtClean="0"/>
-              <a:t>2019/6/28</a:t>
+              <a:t>2019/7/1</a:t>
             </a:fld>
             <a:endParaRPr lang="zh-CN" altLang="en-US"/>
           </a:p>
@@ -841,7 +842,7 @@
           <a:p>
             <a:fld id="{C99335B2-46C0-4153-BD16-B3CACF54906E}" type="datetimeFigureOut">
               <a:rPr lang="zh-CN" altLang="en-US" smtClean="0"/>
-              <a:t>2019/6/28</a:t>
+              <a:t>2019/7/1</a:t>
             </a:fld>
             <a:endParaRPr lang="zh-CN" altLang="en-US"/>
           </a:p>
@@ -989,7 +990,7 @@
           <a:p>
             <a:fld id="{C99335B2-46C0-4153-BD16-B3CACF54906E}" type="datetimeFigureOut">
               <a:rPr lang="zh-CN" altLang="en-US" smtClean="0"/>
-              <a:t>2019/6/28</a:t>
+              <a:t>2019/7/1</a:t>
             </a:fld>
             <a:endParaRPr lang="zh-CN" altLang="en-US"/>
           </a:p>
@@ -1248,7 +1249,7 @@
           <a:p>
             <a:fld id="{C99335B2-46C0-4153-BD16-B3CACF54906E}" type="datetimeFigureOut">
               <a:rPr lang="zh-CN" altLang="en-US" smtClean="0"/>
-              <a:t>2019/6/28</a:t>
+              <a:t>2019/7/1</a:t>
             </a:fld>
             <a:endParaRPr lang="zh-CN" altLang="en-US"/>
           </a:p>
@@ -1495,7 +1496,7 @@
           <a:p>
             <a:fld id="{C99335B2-46C0-4153-BD16-B3CACF54906E}" type="datetimeFigureOut">
               <a:rPr lang="zh-CN" altLang="en-US" smtClean="0"/>
-              <a:t>2019/6/28</a:t>
+              <a:t>2019/7/1</a:t>
             </a:fld>
             <a:endParaRPr lang="zh-CN" altLang="en-US"/>
           </a:p>
@@ -1822,7 +1823,7 @@
           <a:p>
             <a:fld id="{C99335B2-46C0-4153-BD16-B3CACF54906E}" type="datetimeFigureOut">
               <a:rPr lang="zh-CN" altLang="en-US" smtClean="0"/>
-              <a:t>2019/6/28</a:t>
+              <a:t>2019/7/1</a:t>
             </a:fld>
             <a:endParaRPr lang="zh-CN" altLang="en-US"/>
           </a:p>
@@ -1940,7 +1941,7 @@
           <a:p>
             <a:fld id="{C99335B2-46C0-4153-BD16-B3CACF54906E}" type="datetimeFigureOut">
               <a:rPr lang="zh-CN" altLang="en-US" smtClean="0"/>
-              <a:t>2019/6/28</a:t>
+              <a:t>2019/7/1</a:t>
             </a:fld>
             <a:endParaRPr lang="zh-CN" altLang="en-US"/>
           </a:p>
@@ -2112,7 +2113,7 @@
           <a:p>
             <a:fld id="{C99335B2-46C0-4153-BD16-B3CACF54906E}" type="datetimeFigureOut">
               <a:rPr lang="zh-CN" altLang="en-US" smtClean="0"/>
-              <a:t>2019/6/28</a:t>
+              <a:t>2019/7/1</a:t>
             </a:fld>
             <a:endParaRPr lang="zh-CN" altLang="en-US"/>
           </a:p>
@@ -2494,7 +2495,7 @@
           <a:p>
             <a:fld id="{C99335B2-46C0-4153-BD16-B3CACF54906E}" type="datetimeFigureOut">
               <a:rPr lang="zh-CN" altLang="en-US" smtClean="0"/>
-              <a:t>2019/6/28</a:t>
+              <a:t>2019/7/1</a:t>
             </a:fld>
             <a:endParaRPr lang="zh-CN" altLang="en-US"/>
           </a:p>
@@ -2876,7 +2877,7 @@
           <a:p>
             <a:fld id="{C99335B2-46C0-4153-BD16-B3CACF54906E}" type="datetimeFigureOut">
               <a:rPr lang="zh-CN" altLang="en-US" smtClean="0"/>
-              <a:t>2019/6/28</a:t>
+              <a:t>2019/7/1</a:t>
             </a:fld>
             <a:endParaRPr lang="zh-CN" altLang="en-US"/>
           </a:p>
@@ -3104,7 +3105,7 @@
           <a:p>
             <a:fld id="{C99335B2-46C0-4153-BD16-B3CACF54906E}" type="datetimeFigureOut">
               <a:rPr lang="zh-CN" altLang="en-US" smtClean="0"/>
-              <a:t>2019/6/28</a:t>
+              <a:t>2019/7/1</a:t>
             </a:fld>
             <a:endParaRPr lang="zh-CN" altLang="en-US"/>
           </a:p>
@@ -3731,187 +3732,167 @@
           <a:p>
             <a:r>
               <a:rPr lang="en-US" altLang="zh-CN" dirty="0"/>
-              <a:t>3</a:t>
-            </a:r>
-            <a:r>
-              <a:rPr lang="zh-CN" altLang="en-US" dirty="0"/>
+              <a:t>2.2 – </a:t>
+            </a:r>
+            <a:r>
+              <a:rPr lang="zh-CN" altLang="en-US" dirty="0"/>
+              <a:t>构筑图论模型</a:t>
+            </a:r>
+          </a:p>
+        </p:txBody>
+      </p:sp>
+      <p:sp>
+        <p:nvSpPr>
+          <p:cNvPr id="4" name="内容占位符 3"/>
+          <p:cNvSpPr>
+            <a:spLocks noGrp="1"/>
+          </p:cNvSpPr>
+          <p:nvPr>
+            <p:ph idx="1"/>
+          </p:nvPr>
+        </p:nvSpPr>
+        <p:spPr>
+          <a:xfrm>
+            <a:off x="1543050" y="1061050"/>
+            <a:ext cx="7230015" cy="5032246"/>
+          </a:xfrm>
+        </p:spPr>
+        <p:txBody>
+          <a:bodyPr>
+            <a:normAutofit lnSpcReduction="10000"/>
+          </a:bodyPr>
+          <a:lstStyle/>
+          <a:p>
+            <a:r>
+              <a:rPr lang="zh-CN" altLang="en-US" dirty="0"/>
+              <a:t>接下来根据概率和随机生成的长度来生成单词，将路径上经过的所有节点连起来，就是一个新单词。</a:t>
+            </a:r>
+            <a:endParaRPr lang="en-US" altLang="zh-CN" dirty="0"/>
+          </a:p>
+          <a:p>
+            <a:r>
+              <a:rPr lang="zh-CN" altLang="en-US" dirty="0"/>
+              <a:t>给定的词库里词量越多，可生成新单词的数量也就越多。</a:t>
+            </a:r>
+            <a:endParaRPr lang="en-US" altLang="zh-CN" dirty="0"/>
+          </a:p>
+          <a:p>
+            <a:r>
+              <a:rPr lang="zh-CN" altLang="en-US" dirty="0"/>
+              <a:t>下面再来一个例子：</a:t>
+            </a:r>
+            <a:r>
+              <a:rPr lang="en-US" altLang="zh-CN" dirty="0" err="1"/>
+              <a:t>pumpkin+jumping</a:t>
+            </a:r>
+            <a:endParaRPr lang="en-US" altLang="zh-CN" dirty="0"/>
+          </a:p>
+          <a:p>
+            <a:endParaRPr lang="en-US" altLang="zh-CN" dirty="0"/>
+          </a:p>
+          <a:p>
+            <a:r>
+              <a:rPr lang="zh-CN" altLang="en-US" dirty="0"/>
+              <a:t>可以生成</a:t>
+            </a:r>
+            <a:endParaRPr lang="en-US" altLang="zh-CN" dirty="0"/>
+          </a:p>
+          <a:p>
+            <a:r>
+              <a:rPr lang="en-US" altLang="zh-CN" dirty="0"/>
+              <a:t>jumping </a:t>
+            </a:r>
+            <a:r>
+              <a:rPr lang="en-US" altLang="zh-CN" dirty="0" err="1"/>
+              <a:t>jumpkin</a:t>
+            </a:r>
+            <a:endParaRPr lang="en-US" altLang="zh-CN" dirty="0"/>
+          </a:p>
+          <a:p>
+            <a:r>
+              <a:rPr lang="en-US" altLang="zh-CN" dirty="0" err="1"/>
+              <a:t>jumpking</a:t>
+            </a:r>
+            <a:r>
+              <a:rPr lang="en-US" altLang="zh-CN" dirty="0"/>
               <a:t> </a:t>
             </a:r>
             <a:r>
-              <a:rPr lang="en-US" altLang="zh-CN" dirty="0"/>
-              <a:t>– </a:t>
-            </a:r>
-            <a:r>
-              <a:rPr lang="zh-CN" altLang="en-US" dirty="0"/>
-              <a:t>实现项目的步骤</a:t>
-            </a:r>
-          </a:p>
-        </p:txBody>
-      </p:sp>
-      <p:sp>
-        <p:nvSpPr>
-          <p:cNvPr id="3" name="内容占位符 2"/>
-          <p:cNvSpPr>
-            <a:spLocks noGrp="1"/>
-          </p:cNvSpPr>
-          <p:nvPr>
-            <p:ph idx="1"/>
-          </p:nvPr>
-        </p:nvSpPr>
-        <p:spPr/>
-        <p:txBody>
-          <a:bodyPr/>
-          <a:lstStyle/>
-          <a:p>
-            <a:pPr marL="457200" indent="-457200">
-              <a:buFont typeface="+mj-lt"/>
-              <a:buAutoNum type="arabicPeriod"/>
-            </a:pPr>
-            <a:r>
-              <a:rPr lang="zh-CN" altLang="zh-CN" dirty="0"/>
-              <a:t>寻找一个合适的单词库</a:t>
+              <a:rPr lang="en-US" altLang="zh-CN" dirty="0" err="1"/>
+              <a:t>jumpin</a:t>
             </a:r>
             <a:endParaRPr lang="en-US" altLang="zh-CN" dirty="0"/>
           </a:p>
           <a:p>
-            <a:pPr marL="457200" indent="-457200">
-              <a:buFont typeface="+mj-lt"/>
-              <a:buAutoNum type="arabicPeriod"/>
-            </a:pPr>
-            <a:r>
-              <a:rPr lang="zh-CN" altLang="zh-CN" dirty="0"/>
-              <a:t>编写一个专门用来分开所有单词的程序，这个程序将会把所有的单词拆分成续元音</a:t>
-            </a:r>
-            <a:r>
-              <a:rPr lang="en-US" altLang="zh-CN" dirty="0"/>
-              <a:t>+</a:t>
-            </a:r>
-            <a:r>
-              <a:rPr lang="zh-CN" altLang="zh-CN" dirty="0"/>
-              <a:t>连续辅音</a:t>
-            </a:r>
-            <a:r>
-              <a:rPr lang="en-US" altLang="zh-CN" dirty="0"/>
-              <a:t>+</a:t>
-            </a:r>
-            <a:r>
-              <a:rPr lang="zh-CN" altLang="zh-CN" dirty="0"/>
-              <a:t>连续元音</a:t>
-            </a:r>
-            <a:r>
-              <a:rPr lang="en-US" altLang="zh-CN" dirty="0"/>
-              <a:t>+</a:t>
-            </a:r>
-            <a:r>
-              <a:rPr lang="zh-CN" altLang="zh-CN" dirty="0"/>
-              <a:t>连续辅音</a:t>
-            </a:r>
-            <a:r>
-              <a:rPr lang="en-US" altLang="zh-CN" dirty="0"/>
-              <a:t>……</a:t>
-            </a:r>
-            <a:r>
-              <a:rPr lang="zh-CN" altLang="zh-CN" dirty="0"/>
-              <a:t>的组合</a:t>
+            <a:r>
+              <a:rPr lang="en-US" altLang="zh-CN" dirty="0"/>
+              <a:t>pumping </a:t>
+            </a:r>
+            <a:r>
+              <a:rPr lang="en-US" altLang="zh-CN" dirty="0" err="1"/>
+              <a:t>pumpin</a:t>
             </a:r>
             <a:endParaRPr lang="en-US" altLang="zh-CN" dirty="0"/>
           </a:p>
           <a:p>
-            <a:pPr marL="457200" indent="-457200">
-              <a:buFont typeface="+mj-lt"/>
-              <a:buAutoNum type="arabicPeriod"/>
-            </a:pPr>
-            <a:r>
-              <a:rPr lang="zh-CN" altLang="zh-CN" dirty="0"/>
-              <a:t>编写用于存储数据的结构体，后面所有函数封装到这个结构体里面</a:t>
+            <a:r>
+              <a:rPr lang="en-US" altLang="zh-CN" dirty="0"/>
+              <a:t>pumpkin </a:t>
+            </a:r>
+            <a:r>
+              <a:rPr lang="en-US" altLang="zh-CN" dirty="0" err="1"/>
+              <a:t>pumpking</a:t>
             </a:r>
             <a:endParaRPr lang="en-US" altLang="zh-CN" dirty="0"/>
           </a:p>
           <a:p>
-            <a:pPr marL="457200" indent="-457200">
-              <a:buFont typeface="+mj-lt"/>
-              <a:buAutoNum type="arabicPeriod"/>
-            </a:pPr>
-            <a:r>
-              <a:rPr lang="zh-CN" altLang="zh-CN" dirty="0"/>
-              <a:t>编写一个用来随机寻找一个组合的程序，我们在这里做到了按概率比例来随机生成：例如有</a:t>
-            </a:r>
-            <a:r>
-              <a:rPr lang="en-US" altLang="zh-CN" dirty="0"/>
-              <a:t>5</a:t>
-            </a:r>
-            <a:r>
-              <a:rPr lang="zh-CN" altLang="zh-CN" dirty="0"/>
-              <a:t>个单词有</a:t>
-            </a:r>
-            <a:r>
-              <a:rPr lang="en-US" altLang="zh-CN" dirty="0" err="1"/>
-              <a:t>sp+oi</a:t>
-            </a:r>
-            <a:r>
-              <a:rPr lang="zh-CN" altLang="zh-CN" dirty="0"/>
-              <a:t>的组合，</a:t>
-            </a:r>
-            <a:r>
-              <a:rPr lang="en-US" altLang="zh-CN" dirty="0"/>
-              <a:t>1</a:t>
-            </a:r>
-            <a:r>
-              <a:rPr lang="zh-CN" altLang="zh-CN" dirty="0"/>
-              <a:t>个单词有</a:t>
-            </a:r>
-            <a:r>
-              <a:rPr lang="en-US" altLang="zh-CN" dirty="0" err="1"/>
-              <a:t>sp+e</a:t>
-            </a:r>
-            <a:r>
-              <a:rPr lang="zh-CN" altLang="zh-CN" dirty="0"/>
-              <a:t>的组合，那么我们编写的程序随机生成</a:t>
-            </a:r>
-            <a:r>
-              <a:rPr lang="en-US" altLang="zh-CN" dirty="0"/>
-              <a:t>60000</a:t>
-            </a:r>
-            <a:r>
-              <a:rPr lang="zh-CN" altLang="zh-CN" dirty="0"/>
-              <a:t>个组合，将会有大约</a:t>
-            </a:r>
-            <a:r>
-              <a:rPr lang="en-US" altLang="zh-CN" dirty="0"/>
-              <a:t>50000</a:t>
-            </a:r>
-            <a:r>
-              <a:rPr lang="zh-CN" altLang="zh-CN" dirty="0"/>
-              <a:t>个</a:t>
-            </a:r>
-            <a:r>
-              <a:rPr lang="en-US" altLang="zh-CN" dirty="0" err="1"/>
-              <a:t>sp+oi</a:t>
-            </a:r>
-            <a:r>
-              <a:rPr lang="zh-CN" altLang="zh-CN" dirty="0"/>
-              <a:t>和</a:t>
-            </a:r>
-            <a:r>
-              <a:rPr lang="en-US" altLang="zh-CN" dirty="0"/>
-              <a:t>10000</a:t>
-            </a:r>
-            <a:r>
-              <a:rPr lang="zh-CN" altLang="zh-CN" dirty="0"/>
-              <a:t>个</a:t>
-            </a:r>
-            <a:r>
-              <a:rPr lang="en-US" altLang="zh-CN" dirty="0" err="1"/>
-              <a:t>sp+e</a:t>
-            </a:r>
-            <a:endParaRPr lang="zh-CN" altLang="en-US" dirty="0"/>
-          </a:p>
-        </p:txBody>
-      </p:sp>
+            <a:r>
+              <a:rPr lang="zh-CN" altLang="en-US" dirty="0"/>
+              <a:t>这</a:t>
+            </a:r>
+            <a:r>
+              <a:rPr lang="en-US" altLang="zh-CN" dirty="0"/>
+              <a:t>8</a:t>
+            </a:r>
+            <a:r>
+              <a:rPr lang="zh-CN" altLang="en-US" dirty="0"/>
+              <a:t>个单词</a:t>
+            </a:r>
+            <a:endParaRPr lang="en-US" altLang="zh-CN" dirty="0"/>
+          </a:p>
+        </p:txBody>
+      </p:sp>
+      <p:pic>
+        <p:nvPicPr>
+          <p:cNvPr id="5" name="Picture"/>
+          <p:cNvPicPr/>
+          <p:nvPr/>
+        </p:nvPicPr>
+        <p:blipFill rotWithShape="1">
+          <a:blip r:embed="rId2"/>
+          <a:srcRect l="30130" t="7532" r="23506"/>
+          <a:stretch/>
+        </p:blipFill>
+        <p:spPr bwMode="auto">
+          <a:xfrm>
+            <a:off x="6732240" y="2996952"/>
+            <a:ext cx="1779954" cy="3549935"/>
+          </a:xfrm>
+          <a:prstGeom prst="rect">
+            <a:avLst/>
+          </a:prstGeom>
+          <a:noFill/>
+          <a:ln w="9525">
+            <a:noFill/>
+            <a:headEnd/>
+            <a:tailEnd/>
+          </a:ln>
+        </p:spPr>
+      </p:pic>
     </p:spTree>
     <p:extLst>
       <p:ext uri="{BB962C8B-B14F-4D97-AF65-F5344CB8AC3E}">
-        <p14:creationId xmlns:p14="http://schemas.microsoft.com/office/powerpoint/2010/main" val="379442916"/>
+        <p14:creationId xmlns:p14="http://schemas.microsoft.com/office/powerpoint/2010/main" val="3488706258"/>
       </p:ext>
     </p:extLst>
   </p:cSld>
@@ -3987,46 +3968,134 @@
           <a:bodyPr/>
           <a:lstStyle/>
           <a:p>
-            <a:pPr marL="0" indent="0">
-              <a:buNone/>
+            <a:pPr marL="457200" indent="-457200">
+              <a:buFont typeface="+mj-lt"/>
+              <a:buAutoNum type="arabicPeriod"/>
             </a:pPr>
             <a:r>
-              <a:rPr lang="en-US" altLang="zh-CN" dirty="0"/>
-              <a:t>5.  </a:t>
-            </a:r>
-            <a:r>
               <a:rPr lang="zh-CN" altLang="zh-CN" dirty="0"/>
-              <a:t>展示用程序，将会从</a:t>
-            </a:r>
-            <a:r>
-              <a:rPr lang="en-US" altLang="zh-CN" dirty="0"/>
-              <a:t>start</a:t>
-            </a:r>
+              <a:t>寻找一个合适的单词库</a:t>
+            </a:r>
+            <a:endParaRPr lang="en-US" altLang="zh-CN" dirty="0"/>
+          </a:p>
+          <a:p>
+            <a:pPr marL="457200" indent="-457200">
+              <a:buFont typeface="+mj-lt"/>
+              <a:buAutoNum type="arabicPeriod"/>
+            </a:pPr>
             <a:r>
               <a:rPr lang="zh-CN" altLang="zh-CN" dirty="0"/>
-              <a:t>节点随机一个路径到</a:t>
-            </a:r>
-            <a:r>
-              <a:rPr lang="en-US" altLang="zh-CN" dirty="0"/>
-              <a:t>end</a:t>
+              <a:t>编写一个专门用来分开所有单词的程序，这个程序将会把所有的单词拆分成续元音</a:t>
+            </a:r>
+            <a:r>
+              <a:rPr lang="en-US" altLang="zh-CN" dirty="0"/>
+              <a:t>+</a:t>
             </a:r>
             <a:r>
               <a:rPr lang="zh-CN" altLang="zh-CN" dirty="0"/>
-              <a:t>节点：每一次采用随机一个组合的方法找到下一步，然后用递归的方法找到路径，并输出</a:t>
+              <a:t>连续辅音</a:t>
+            </a:r>
+            <a:r>
+              <a:rPr lang="en-US" altLang="zh-CN" dirty="0"/>
+              <a:t>+</a:t>
+            </a:r>
+            <a:r>
+              <a:rPr lang="zh-CN" altLang="zh-CN" dirty="0"/>
+              <a:t>连续元音</a:t>
+            </a:r>
+            <a:r>
+              <a:rPr lang="en-US" altLang="zh-CN" dirty="0"/>
+              <a:t>+</a:t>
+            </a:r>
+            <a:r>
+              <a:rPr lang="zh-CN" altLang="zh-CN" dirty="0"/>
+              <a:t>连续辅音</a:t>
+            </a:r>
+            <a:r>
+              <a:rPr lang="en-US" altLang="zh-CN" dirty="0"/>
+              <a:t>……</a:t>
+            </a:r>
+            <a:r>
+              <a:rPr lang="zh-CN" altLang="zh-CN" dirty="0"/>
+              <a:t>的组合</a:t>
             </a:r>
             <a:endParaRPr lang="en-US" altLang="zh-CN" dirty="0"/>
           </a:p>
           <a:p>
-            <a:pPr marL="0" indent="0">
-              <a:buNone/>
+            <a:pPr marL="457200" indent="-457200">
+              <a:buFont typeface="+mj-lt"/>
+              <a:buAutoNum type="arabicPeriod"/>
             </a:pPr>
             <a:r>
-              <a:rPr lang="en-US" altLang="zh-CN" dirty="0"/>
-              <a:t>6.  </a:t>
-            </a:r>
-            <a:r>
               <a:rPr lang="zh-CN" altLang="zh-CN" dirty="0"/>
-              <a:t>进行量化分析，也就是类似于测算生成出的</a:t>
+              <a:t>编写用于存储数据的结构体，后面所有函数封装到这个结构体里面</a:t>
+            </a:r>
+            <a:endParaRPr lang="en-US" altLang="zh-CN" dirty="0"/>
+          </a:p>
+          <a:p>
+            <a:pPr marL="457200" indent="-457200">
+              <a:buFont typeface="+mj-lt"/>
+              <a:buAutoNum type="arabicPeriod"/>
+            </a:pPr>
+            <a:r>
+              <a:rPr lang="zh-CN" altLang="zh-CN" dirty="0"/>
+              <a:t>编写一个用来随机寻找一个组合的程序，我们在这里做到了按概率比例来随机生成：例如有</a:t>
+            </a:r>
+            <a:r>
+              <a:rPr lang="en-US" altLang="zh-CN" dirty="0"/>
+              <a:t>5</a:t>
+            </a:r>
+            <a:r>
+              <a:rPr lang="zh-CN" altLang="zh-CN" dirty="0"/>
+              <a:t>个单词有</a:t>
+            </a:r>
+            <a:r>
+              <a:rPr lang="en-US" altLang="zh-CN" dirty="0" err="1"/>
+              <a:t>sp+oi</a:t>
+            </a:r>
+            <a:r>
+              <a:rPr lang="zh-CN" altLang="zh-CN" dirty="0"/>
+              <a:t>的组合，</a:t>
+            </a:r>
+            <a:r>
+              <a:rPr lang="en-US" altLang="zh-CN" dirty="0"/>
+              <a:t>1</a:t>
+            </a:r>
+            <a:r>
+              <a:rPr lang="zh-CN" altLang="zh-CN" dirty="0"/>
+              <a:t>个单词有</a:t>
+            </a:r>
+            <a:r>
+              <a:rPr lang="en-US" altLang="zh-CN" dirty="0" err="1"/>
+              <a:t>sp+e</a:t>
+            </a:r>
+            <a:r>
+              <a:rPr lang="zh-CN" altLang="zh-CN" dirty="0"/>
+              <a:t>的组合，那么我们编写的程序随机生成</a:t>
+            </a:r>
+            <a:r>
+              <a:rPr lang="en-US" altLang="zh-CN" dirty="0"/>
+              <a:t>60000</a:t>
+            </a:r>
+            <a:r>
+              <a:rPr lang="zh-CN" altLang="zh-CN" dirty="0"/>
+              <a:t>个组合，将会有大约</a:t>
+            </a:r>
+            <a:r>
+              <a:rPr lang="en-US" altLang="zh-CN" dirty="0"/>
+              <a:t>50000</a:t>
+            </a:r>
+            <a:r>
+              <a:rPr lang="zh-CN" altLang="zh-CN" dirty="0"/>
+              <a:t>个</a:t>
+            </a:r>
+            <a:r>
+              <a:rPr lang="en-US" altLang="zh-CN" dirty="0" err="1"/>
+              <a:t>sp+oi</a:t>
+            </a:r>
+            <a:r>
+              <a:rPr lang="zh-CN" altLang="zh-CN" dirty="0"/>
+              <a:t>和</a:t>
             </a:r>
             <a:r>
               <a:rPr lang="en-US" altLang="zh-CN" dirty="0"/>
@@ -4034,27 +4103,20 @@
             </a:r>
             <a:r>
               <a:rPr lang="zh-CN" altLang="zh-CN" dirty="0"/>
-              <a:t>个单词中，有多少个是真正的英文单词。这样，就可以得出大致的相似度以及这个程序到底有多</a:t>
-            </a:r>
-            <a:r>
-              <a:rPr lang="en-US" altLang="zh-CN" dirty="0"/>
-              <a:t>“</a:t>
-            </a:r>
-            <a:r>
-              <a:rPr lang="zh-CN" altLang="zh-CN" dirty="0"/>
-              <a:t>聪明</a:t>
-            </a:r>
-            <a:r>
-              <a:rPr lang="en-US" altLang="zh-CN" dirty="0"/>
-              <a:t>”</a:t>
-            </a:r>
+              <a:t>个</a:t>
+            </a:r>
+            <a:r>
+              <a:rPr lang="en-US" altLang="zh-CN" dirty="0" err="1"/>
+              <a:t>sp+e</a:t>
+            </a:r>
+            <a:endParaRPr lang="zh-CN" altLang="en-US" dirty="0"/>
           </a:p>
         </p:txBody>
       </p:sp>
     </p:spTree>
     <p:extLst>
       <p:ext uri="{BB962C8B-B14F-4D97-AF65-F5344CB8AC3E}">
-        <p14:creationId xmlns:p14="http://schemas.microsoft.com/office/powerpoint/2010/main" val="3612052355"/>
+        <p14:creationId xmlns:p14="http://schemas.microsoft.com/office/powerpoint/2010/main" val="379442916"/>
       </p:ext>
     </p:extLst>
   </p:cSld>
@@ -4098,11 +4160,19 @@
           <a:p>
             <a:r>
               <a:rPr lang="en-US" altLang="zh-CN" dirty="0"/>
-              <a:t>4 – </a:t>
-            </a:r>
-            <a:r>
-              <a:rPr lang="zh-CN" altLang="en-US" dirty="0"/>
-              <a:t>小组分工</a:t>
+              <a:t>3</a:t>
+            </a:r>
+            <a:r>
+              <a:rPr lang="zh-CN" altLang="en-US" dirty="0"/>
+              <a:t> </a:t>
+            </a:r>
+            <a:r>
+              <a:rPr lang="en-US" altLang="zh-CN" dirty="0"/>
+              <a:t>– </a:t>
+            </a:r>
+            <a:r>
+              <a:rPr lang="zh-CN" altLang="en-US" dirty="0"/>
+              <a:t>实现项目的步骤</a:t>
             </a:r>
           </a:p>
         </p:txBody>
@@ -4122,101 +4192,74 @@
           <a:bodyPr/>
           <a:lstStyle/>
           <a:p>
-            <a:r>
-              <a:rPr lang="zh-CN" altLang="en-US" dirty="0"/>
-              <a:t>周翟恩和负责完成第</a:t>
-            </a:r>
-            <a:r>
-              <a:rPr lang="en-US" altLang="zh-CN" dirty="0"/>
-              <a:t>2~5</a:t>
-            </a:r>
-            <a:r>
-              <a:rPr lang="zh-CN" altLang="en-US" dirty="0"/>
-              <a:t>步</a:t>
+            <a:pPr marL="0" indent="0">
+              <a:buNone/>
+            </a:pPr>
+            <a:r>
+              <a:rPr lang="en-US" altLang="zh-CN" dirty="0"/>
+              <a:t>5.  </a:t>
+            </a:r>
+            <a:r>
+              <a:rPr lang="zh-CN" altLang="zh-CN" dirty="0"/>
+              <a:t>展示用程序，将会从</a:t>
+            </a:r>
+            <a:r>
+              <a:rPr lang="en-US" altLang="zh-CN" dirty="0"/>
+              <a:t>start</a:t>
+            </a:r>
+            <a:r>
+              <a:rPr lang="zh-CN" altLang="zh-CN" dirty="0"/>
+              <a:t>节点随机一个路径到</a:t>
+            </a:r>
+            <a:r>
+              <a:rPr lang="en-US" altLang="zh-CN" dirty="0"/>
+              <a:t>end</a:t>
+            </a:r>
+            <a:r>
+              <a:rPr lang="zh-CN" altLang="zh-CN" dirty="0"/>
+              <a:t>节点：每一次采用随机一个组合的方法找到下一步，然后用递归的方法找到路径，并输出</a:t>
             </a:r>
             <a:endParaRPr lang="en-US" altLang="zh-CN" dirty="0"/>
           </a:p>
           <a:p>
-            <a:r>
-              <a:rPr lang="zh-CN" altLang="en-US" dirty="0"/>
-              <a:t>谢梓涵负责完成</a:t>
-            </a:r>
-            <a:r>
-              <a:rPr lang="en-US" altLang="zh-CN" dirty="0"/>
-              <a:t>API</a:t>
-            </a:r>
-            <a:r>
-              <a:rPr lang="zh-CN" altLang="en-US" dirty="0"/>
-              <a:t>以及对代码进行常熟优化</a:t>
-            </a:r>
-            <a:endParaRPr lang="en-US" altLang="zh-CN" dirty="0"/>
-          </a:p>
-          <a:p>
-            <a:r>
-              <a:rPr lang="zh-CN" altLang="en-US" dirty="0"/>
-              <a:t>李天桐负责完成</a:t>
-            </a:r>
-            <a:r>
-              <a:rPr lang="en-US" altLang="zh-CN" dirty="0"/>
-              <a:t>1</a:t>
-            </a:r>
-            <a:r>
-              <a:rPr lang="zh-CN" altLang="en-US" dirty="0"/>
-              <a:t>，</a:t>
-            </a:r>
-            <a:r>
-              <a:rPr lang="en-US" altLang="zh-CN" dirty="0"/>
-              <a:t>5</a:t>
-            </a:r>
-            <a:r>
-              <a:rPr lang="zh-CN" altLang="en-US" dirty="0"/>
-              <a:t>，</a:t>
-            </a:r>
-            <a:r>
-              <a:rPr lang="en-US" altLang="zh-CN" dirty="0"/>
-              <a:t>6</a:t>
-            </a:r>
-            <a:r>
-              <a:rPr lang="zh-CN" altLang="en-US" dirty="0"/>
-              <a:t>步</a:t>
-            </a:r>
-            <a:endParaRPr lang="en-US" altLang="zh-CN" dirty="0"/>
-          </a:p>
-          <a:p>
-            <a:endParaRPr lang="en-US" altLang="zh-CN" dirty="0"/>
-          </a:p>
-          <a:p>
-            <a:r>
-              <a:rPr lang="zh-CN" altLang="en-US" dirty="0"/>
-              <a:t>所有人都要完成论文的一部分。</a:t>
-            </a:r>
-            <a:endParaRPr lang="en-US" altLang="zh-CN" dirty="0"/>
-          </a:p>
-          <a:p>
-            <a:r>
-              <a:rPr lang="zh-CN" altLang="en-US" dirty="0"/>
-              <a:t>所用平台为</a:t>
-            </a:r>
-            <a:r>
-              <a:rPr lang="en-US" altLang="zh-CN" dirty="0" err="1"/>
-              <a:t>GitHub</a:t>
-            </a:r>
-            <a:r>
-              <a:rPr lang="zh-CN" altLang="en-US" dirty="0"/>
-              <a:t>及</a:t>
-            </a:r>
-            <a:r>
-              <a:rPr lang="en-US" altLang="zh-CN" dirty="0" err="1"/>
-              <a:t>EtherPad</a:t>
-            </a:r>
-            <a:endParaRPr lang="zh-CN" altLang="en-US" dirty="0"/>
+            <a:pPr marL="0" indent="0">
+              <a:buNone/>
+            </a:pPr>
+            <a:r>
+              <a:rPr lang="en-US" altLang="zh-CN" dirty="0"/>
+              <a:t>6.  </a:t>
+            </a:r>
+            <a:r>
+              <a:rPr lang="zh-CN" altLang="zh-CN" dirty="0"/>
+              <a:t>进行量化分析，也就是类似于测算生成出的</a:t>
+            </a:r>
+            <a:r>
+              <a:rPr lang="en-US" altLang="zh-CN" dirty="0"/>
+              <a:t>10000</a:t>
+            </a:r>
+            <a:r>
+              <a:rPr lang="zh-CN" altLang="zh-CN" dirty="0"/>
+              <a:t>个单词中，有多少个是真正的英文单词。这样，就可以得出大致的相似度以及这个程序到底有多</a:t>
+            </a:r>
+            <a:r>
+              <a:rPr lang="en-US" altLang="zh-CN" dirty="0"/>
+              <a:t>“</a:t>
+            </a:r>
+            <a:r>
+              <a:rPr lang="zh-CN" altLang="zh-CN" dirty="0"/>
+              <a:t>聪明</a:t>
+            </a:r>
+            <a:r>
+              <a:rPr lang="en-US" altLang="zh-CN" dirty="0"/>
+              <a:t>”</a:t>
+            </a:r>
           </a:p>
         </p:txBody>
       </p:sp>
     </p:spTree>
     <p:extLst>
       <p:ext uri="{BB962C8B-B14F-4D97-AF65-F5344CB8AC3E}">
-        <p14:creationId xmlns:p14="http://schemas.microsoft.com/office/powerpoint/2010/main" val="711023093"/>
+        <p14:creationId xmlns:p14="http://schemas.microsoft.com/office/powerpoint/2010/main" val="3612052355"/>
       </p:ext>
     </p:extLst>
   </p:cSld>
@@ -4245,6 +4288,168 @@
       </p:grpSpPr>
       <p:sp>
         <p:nvSpPr>
+          <p:cNvPr id="2" name="标题 1"/>
+          <p:cNvSpPr>
+            <a:spLocks noGrp="1"/>
+          </p:cNvSpPr>
+          <p:nvPr>
+            <p:ph type="title"/>
+          </p:nvPr>
+        </p:nvSpPr>
+        <p:spPr/>
+        <p:txBody>
+          <a:bodyPr/>
+          <a:lstStyle/>
+          <a:p>
+            <a:r>
+              <a:rPr lang="en-US" altLang="zh-CN" dirty="0"/>
+              <a:t>4 – </a:t>
+            </a:r>
+            <a:r>
+              <a:rPr lang="zh-CN" altLang="en-US" dirty="0"/>
+              <a:t>小组分工</a:t>
+            </a:r>
+          </a:p>
+        </p:txBody>
+      </p:sp>
+      <p:sp>
+        <p:nvSpPr>
+          <p:cNvPr id="3" name="内容占位符 2"/>
+          <p:cNvSpPr>
+            <a:spLocks noGrp="1"/>
+          </p:cNvSpPr>
+          <p:nvPr>
+            <p:ph idx="1"/>
+          </p:nvPr>
+        </p:nvSpPr>
+        <p:spPr/>
+        <p:txBody>
+          <a:bodyPr/>
+          <a:lstStyle/>
+          <a:p>
+            <a:r>
+              <a:rPr lang="zh-CN" altLang="en-US" dirty="0"/>
+              <a:t>周翟恩和负责完成第</a:t>
+            </a:r>
+            <a:r>
+              <a:rPr lang="en-US" altLang="zh-CN" dirty="0"/>
+              <a:t>2~5</a:t>
+            </a:r>
+            <a:r>
+              <a:rPr lang="zh-CN" altLang="en-US" dirty="0"/>
+              <a:t>步</a:t>
+            </a:r>
+            <a:endParaRPr lang="en-US" altLang="zh-CN" dirty="0"/>
+          </a:p>
+          <a:p>
+            <a:r>
+              <a:rPr lang="zh-CN" altLang="en-US" dirty="0"/>
+              <a:t>谢梓涵负责完成</a:t>
+            </a:r>
+            <a:r>
+              <a:rPr lang="en-US" altLang="zh-CN" dirty="0"/>
+              <a:t>API</a:t>
+            </a:r>
+            <a:r>
+              <a:rPr lang="zh-CN" altLang="en-US" dirty="0"/>
+              <a:t>以及对代码进行常熟优化</a:t>
+            </a:r>
+            <a:endParaRPr lang="en-US" altLang="zh-CN" dirty="0"/>
+          </a:p>
+          <a:p>
+            <a:r>
+              <a:rPr lang="zh-CN" altLang="en-US" dirty="0"/>
+              <a:t>李天桐负责完成</a:t>
+            </a:r>
+            <a:r>
+              <a:rPr lang="en-US" altLang="zh-CN" dirty="0"/>
+              <a:t>1</a:t>
+            </a:r>
+            <a:r>
+              <a:rPr lang="zh-CN" altLang="en-US" dirty="0"/>
+              <a:t>，</a:t>
+            </a:r>
+            <a:r>
+              <a:rPr lang="en-US" altLang="zh-CN" dirty="0"/>
+              <a:t>5</a:t>
+            </a:r>
+            <a:r>
+              <a:rPr lang="zh-CN" altLang="en-US" dirty="0"/>
+              <a:t>，</a:t>
+            </a:r>
+            <a:r>
+              <a:rPr lang="en-US" altLang="zh-CN" dirty="0"/>
+              <a:t>6</a:t>
+            </a:r>
+            <a:r>
+              <a:rPr lang="zh-CN" altLang="en-US" dirty="0"/>
+              <a:t>步</a:t>
+            </a:r>
+            <a:endParaRPr lang="en-US" altLang="zh-CN" dirty="0"/>
+          </a:p>
+          <a:p>
+            <a:endParaRPr lang="en-US" altLang="zh-CN" dirty="0"/>
+          </a:p>
+          <a:p>
+            <a:r>
+              <a:rPr lang="zh-CN" altLang="en-US" dirty="0"/>
+              <a:t>所有人都要完成论文的一部分。</a:t>
+            </a:r>
+            <a:endParaRPr lang="en-US" altLang="zh-CN" dirty="0"/>
+          </a:p>
+          <a:p>
+            <a:r>
+              <a:rPr lang="zh-CN" altLang="en-US" dirty="0"/>
+              <a:t>所用平台为</a:t>
+            </a:r>
+            <a:r>
+              <a:rPr lang="en-US" altLang="zh-CN" dirty="0" err="1"/>
+              <a:t>GitHub</a:t>
+            </a:r>
+            <a:r>
+              <a:rPr lang="zh-CN" altLang="en-US" dirty="0"/>
+              <a:t>及</a:t>
+            </a:r>
+            <a:r>
+              <a:rPr lang="en-US" altLang="zh-CN" dirty="0" err="1"/>
+              <a:t>EtherPad</a:t>
+            </a:r>
+            <a:endParaRPr lang="zh-CN" altLang="en-US" dirty="0"/>
+          </a:p>
+        </p:txBody>
+      </p:sp>
+    </p:spTree>
+    <p:extLst>
+      <p:ext uri="{BB962C8B-B14F-4D97-AF65-F5344CB8AC3E}">
+        <p14:creationId xmlns:p14="http://schemas.microsoft.com/office/powerpoint/2010/main" val="711023093"/>
+      </p:ext>
+    </p:extLst>
+  </p:cSld>
+  <p:clrMapOvr>
+    <a:masterClrMapping/>
+  </p:clrMapOvr>
+</p:sld>
+</file>
+
+<file path=ppt/slides/slide14.xml><?xml version="1.0" encoding="utf-8"?>
+<p:sld xmlns:a="http://schemas.openxmlformats.org/drawingml/2006/main" xmlns:r="http://schemas.openxmlformats.org/officeDocument/2006/relationships" xmlns:p="http://schemas.openxmlformats.org/presentationml/2006/main">
+  <p:cSld>
+    <p:spTree>
+      <p:nvGrpSpPr>
+        <p:cNvPr id="1" name=""/>
+        <p:cNvGrpSpPr/>
+        <p:nvPr/>
+      </p:nvGrpSpPr>
+      <p:grpSpPr>
+        <a:xfrm>
+          <a:off x="0" y="0"/>
+          <a:ext cx="0" cy="0"/>
+          <a:chOff x="0" y="0"/>
+          <a:chExt cx="0" cy="0"/>
+        </a:xfrm>
+      </p:grpSpPr>
+      <p:sp>
+        <p:nvSpPr>
           <p:cNvPr id="2" name="标题 1">
             <a:extLst>
               <a:ext uri="{FF2B5EF4-FFF2-40B4-BE49-F238E27FC236}">
@@ -4385,7 +4590,7 @@
 </p:sld>
 </file>
 
-<file path=ppt/slides/slide14.xml><?xml version="1.0" encoding="utf-8"?>
+<file path=ppt/slides/slide15.xml><?xml version="1.0" encoding="utf-8"?>
 <p:sld xmlns:a="http://schemas.openxmlformats.org/drawingml/2006/main" xmlns:r="http://schemas.openxmlformats.org/officeDocument/2006/relationships" xmlns:p="http://schemas.openxmlformats.org/presentationml/2006/main">
   <p:cSld>
     <p:spTree>
@@ -4622,7 +4827,7 @@
 </p:sld>
 </file>
 
-<file path=ppt/slides/slide15.xml><?xml version="1.0" encoding="utf-8"?>
+<file path=ppt/slides/slide16.xml><?xml version="1.0" encoding="utf-8"?>
 <p:sld xmlns:a="http://schemas.openxmlformats.org/drawingml/2006/main" xmlns:r="http://schemas.openxmlformats.org/officeDocument/2006/relationships" xmlns:p="http://schemas.openxmlformats.org/presentationml/2006/main">
   <p:cSld>
     <p:spTree>
@@ -4872,7 +5077,7 @@
 </p:sld>
 </file>
 
-<file path=ppt/slides/slide16.xml><?xml version="1.0" encoding="utf-8"?>
+<file path=ppt/slides/slide17.xml><?xml version="1.0" encoding="utf-8"?>
 <p:sld xmlns:a="http://schemas.openxmlformats.org/drawingml/2006/main" xmlns:r="http://schemas.openxmlformats.org/officeDocument/2006/relationships" xmlns:p="http://schemas.openxmlformats.org/presentationml/2006/main">
   <p:cSld>
     <p:spTree>
@@ -5026,7 +5231,7 @@
 </p:sld>
 </file>
 
-<file path=ppt/slides/slide17.xml><?xml version="1.0" encoding="utf-8"?>
+<file path=ppt/slides/slide18.xml><?xml version="1.0" encoding="utf-8"?>
 <p:sld xmlns:a="http://schemas.openxmlformats.org/drawingml/2006/main" xmlns:r="http://schemas.openxmlformats.org/officeDocument/2006/relationships" xmlns:p="http://schemas.openxmlformats.org/presentationml/2006/main">
   <p:cSld>
     <p:spTree>
@@ -6108,7 +6313,7 @@
 </p:sld>
 </file>
 
-<file path=ppt/slides/slide18.xml><?xml version="1.0" encoding="utf-8"?>
+<file path=ppt/slides/slide19.xml><?xml version="1.0" encoding="utf-8"?>
 <p:sld xmlns:a="http://schemas.openxmlformats.org/drawingml/2006/main" xmlns:r="http://schemas.openxmlformats.org/officeDocument/2006/relationships" xmlns:p="http://schemas.openxmlformats.org/presentationml/2006/main">
   <p:cSld>
     <p:spTree>
@@ -6415,211 +6620,6 @@
 </p:sld>
 </file>
 
-<file path=ppt/slides/slide19.xml><?xml version="1.0" encoding="utf-8"?>
-<p:sld xmlns:a="http://schemas.openxmlformats.org/drawingml/2006/main" xmlns:r="http://schemas.openxmlformats.org/officeDocument/2006/relationships" xmlns:p="http://schemas.openxmlformats.org/presentationml/2006/main">
-  <p:cSld>
-    <p:spTree>
-      <p:nvGrpSpPr>
-        <p:cNvPr id="1" name=""/>
-        <p:cNvGrpSpPr/>
-        <p:nvPr/>
-      </p:nvGrpSpPr>
-      <p:grpSpPr>
-        <a:xfrm>
-          <a:off x="0" y="0"/>
-          <a:ext cx="0" cy="0"/>
-          <a:chOff x="0" y="0"/>
-          <a:chExt cx="0" cy="0"/>
-        </a:xfrm>
-      </p:grpSpPr>
-      <p:sp>
-        <p:nvSpPr>
-          <p:cNvPr id="2" name="标题 1">
-            <a:extLst>
-              <a:ext uri="{FF2B5EF4-FFF2-40B4-BE49-F238E27FC236}">
-                <a16:creationId xmlns:a16="http://schemas.microsoft.com/office/drawing/2014/main" id="{A5AA7EBD-BD79-4907-8652-E9D548011432}"/>
-              </a:ext>
-            </a:extLst>
-          </p:cNvPr>
-          <p:cNvSpPr>
-            <a:spLocks noGrp="1"/>
-          </p:cNvSpPr>
-          <p:nvPr>
-            <p:ph type="title"/>
-          </p:nvPr>
-        </p:nvSpPr>
-        <p:spPr/>
-        <p:txBody>
-          <a:bodyPr>
-            <a:normAutofit/>
-          </a:bodyPr>
-          <a:lstStyle/>
-          <a:p>
-            <a:r>
-              <a:rPr lang="en-US" altLang="zh-CN" dirty="0"/>
-              <a:t>5 – </a:t>
-            </a:r>
-            <a:r>
-              <a:rPr lang="zh-CN" altLang="en-US" dirty="0"/>
-              <a:t>实现过程</a:t>
-            </a:r>
-            <a:r>
-              <a:rPr lang="en-US" altLang="zh-CN" dirty="0"/>
-              <a:t> </a:t>
-            </a:r>
-            <a:r>
-              <a:rPr lang="zh-CN" altLang="en-US" dirty="0"/>
-              <a:t>（</a:t>
-            </a:r>
-            <a:r>
-              <a:rPr lang="en-US" altLang="zh-CN" dirty="0"/>
-              <a:t>DFS</a:t>
-            </a:r>
-            <a:r>
-              <a:rPr lang="zh-CN" altLang="zh-CN" dirty="0"/>
-              <a:t>生成伪单词</a:t>
-            </a:r>
-            <a:r>
-              <a:rPr lang="zh-CN" altLang="en-US" dirty="0"/>
-              <a:t>）</a:t>
-            </a:r>
-          </a:p>
-        </p:txBody>
-      </p:sp>
-      <p:sp>
-        <p:nvSpPr>
-          <p:cNvPr id="3" name="内容占位符 2">
-            <a:extLst>
-              <a:ext uri="{FF2B5EF4-FFF2-40B4-BE49-F238E27FC236}">
-                <a16:creationId xmlns:a16="http://schemas.microsoft.com/office/drawing/2014/main" id="{7F6CD907-33CF-4EFC-A4AE-94F027BE3E9C}"/>
-              </a:ext>
-            </a:extLst>
-          </p:cNvPr>
-          <p:cNvSpPr>
-            <a:spLocks noGrp="1"/>
-          </p:cNvSpPr>
-          <p:nvPr>
-            <p:ph idx="1"/>
-          </p:nvPr>
-        </p:nvSpPr>
-        <p:spPr/>
-        <p:txBody>
-          <a:bodyPr>
-            <a:normAutofit/>
-          </a:bodyPr>
-          <a:lstStyle/>
-          <a:p>
-            <a:r>
-              <a:rPr lang="en-US" altLang="zh-CN" dirty="0"/>
-              <a:t>DFS</a:t>
-            </a:r>
-            <a:r>
-              <a:rPr lang="zh-CN" altLang="zh-CN" dirty="0"/>
-              <a:t>就是正常的深度优先搜索。先通过随机生成的组合来建成一个有向图，拥有</a:t>
-            </a:r>
-            <a:r>
-              <a:rPr lang="en-US" altLang="zh-CN" b="1" dirty="0"/>
-              <a:t>start</a:t>
-            </a:r>
-            <a:r>
-              <a:rPr lang="zh-CN" altLang="zh-CN" dirty="0"/>
-              <a:t>节点及</a:t>
-            </a:r>
-            <a:r>
-              <a:rPr lang="en-US" altLang="zh-CN" b="1" dirty="0"/>
-              <a:t>end</a:t>
-            </a:r>
-            <a:r>
-              <a:rPr lang="zh-CN" altLang="zh-CN" dirty="0"/>
-              <a:t>节点。深度优先搜索即从</a:t>
-            </a:r>
-            <a:r>
-              <a:rPr lang="en-US" altLang="zh-CN" b="1" dirty="0"/>
-              <a:t>start</a:t>
-            </a:r>
-            <a:r>
-              <a:rPr lang="zh-CN" altLang="zh-CN" dirty="0"/>
-              <a:t>节点开始搜索。由于图可能存在环状结构，因此可以通过给定的深度（单词部分的长度）来判断单词是否结束。通过此种方法，可以按照某种顺序生成出伪单词。</a:t>
-            </a:r>
-            <a:endParaRPr lang="en-US" altLang="zh-CN" dirty="0"/>
-          </a:p>
-          <a:p>
-            <a:r>
-              <a:rPr lang="zh-CN" altLang="zh-CN" dirty="0"/>
-              <a:t>这一步的原始数据完全依赖于上一步的随机单词。如果随机选出的单词出现了</a:t>
-            </a:r>
-            <a:r>
-              <a:rPr lang="en-US" altLang="zh-CN" dirty="0"/>
-              <a:t>o</a:t>
-            </a:r>
-            <a:r>
-              <a:rPr lang="zh-CN" altLang="zh-CN" dirty="0"/>
-              <a:t>接</a:t>
-            </a:r>
-            <a:r>
-              <a:rPr lang="en-US" altLang="zh-CN" dirty="0"/>
-              <a:t>n</a:t>
-            </a:r>
-            <a:r>
-              <a:rPr lang="zh-CN" altLang="zh-CN" dirty="0"/>
-              <a:t>，</a:t>
-            </a:r>
-            <a:r>
-              <a:rPr lang="en-US" altLang="zh-CN" dirty="0"/>
-              <a:t>n</a:t>
-            </a:r>
-            <a:r>
-              <a:rPr lang="zh-CN" altLang="zh-CN" dirty="0"/>
-              <a:t>接</a:t>
-            </a:r>
-            <a:r>
-              <a:rPr lang="en-US" altLang="zh-CN" dirty="0"/>
-              <a:t>o</a:t>
-            </a:r>
-            <a:r>
-              <a:rPr lang="zh-CN" altLang="zh-CN" dirty="0"/>
-              <a:t>的情况，生成出的单词将会出现像</a:t>
-            </a:r>
-            <a:r>
-              <a:rPr lang="en-US" altLang="zh-CN" dirty="0" err="1"/>
-              <a:t>nonononononono</a:t>
-            </a:r>
-            <a:r>
-              <a:rPr lang="zh-CN" altLang="zh-CN" dirty="0"/>
-              <a:t>一样的单词，所以对于</a:t>
-            </a:r>
-            <a:r>
-              <a:rPr lang="en-US" altLang="zh-CN" dirty="0" err="1"/>
-              <a:t>dfs</a:t>
-            </a:r>
-            <a:r>
-              <a:rPr lang="zh-CN" altLang="zh-CN" dirty="0"/>
-              <a:t>，我们同样需要对深度进行限制。</a:t>
-            </a:r>
-            <a:endParaRPr lang="en-US" altLang="zh-CN" dirty="0"/>
-          </a:p>
-          <a:p>
-            <a:r>
-              <a:rPr lang="zh-CN" altLang="en-US"/>
-              <a:t>如下图</a:t>
-            </a:r>
-            <a:endParaRPr lang="zh-CN" altLang="zh-CN" dirty="0"/>
-          </a:p>
-        </p:txBody>
-      </p:sp>
-    </p:spTree>
-    <p:extLst>
-      <p:ext uri="{BB962C8B-B14F-4D97-AF65-F5344CB8AC3E}">
-        <p14:creationId xmlns:p14="http://schemas.microsoft.com/office/powerpoint/2010/main" val="3969245877"/>
-      </p:ext>
-    </p:extLst>
-  </p:cSld>
-  <p:clrMapOvr>
-    <a:masterClrMapping/>
-  </p:clrMapOvr>
-</p:sld>
-</file>
-
 <file path=ppt/slides/slide2.xml><?xml version="1.0" encoding="utf-8"?>
 <p:sld xmlns:a="http://schemas.openxmlformats.org/drawingml/2006/main" xmlns:r="http://schemas.openxmlformats.org/officeDocument/2006/relationships" xmlns:p="http://schemas.openxmlformats.org/presentationml/2006/main">
   <p:cSld>
@@ -6637,57 +6637,45 @@
           <a:chExt cx="0" cy="0"/>
         </a:xfrm>
       </p:grpSpPr>
-      <p:sp>
-        <p:nvSpPr>
-          <p:cNvPr id="2" name="标题 1"/>
-          <p:cNvSpPr>
-            <a:spLocks noGrp="1"/>
-          </p:cNvSpPr>
-          <p:nvPr>
-            <p:ph type="title"/>
-          </p:nvPr>
-        </p:nvSpPr>
-        <p:spPr/>
-        <p:txBody>
-          <a:bodyPr/>
-          <a:lstStyle/>
-          <a:p>
-            <a:r>
-              <a:rPr lang="zh-CN" altLang="en-US" dirty="0"/>
-              <a:t>开源项目地址</a:t>
-            </a:r>
-          </a:p>
-        </p:txBody>
-      </p:sp>
-      <p:sp>
-        <p:nvSpPr>
-          <p:cNvPr id="3" name="文本占位符 2"/>
-          <p:cNvSpPr>
-            <a:spLocks noGrp="1"/>
-          </p:cNvSpPr>
-          <p:nvPr>
-            <p:ph type="body" idx="1"/>
-          </p:nvPr>
-        </p:nvSpPr>
-        <p:spPr/>
-        <p:txBody>
-          <a:bodyPr>
-            <a:noAutofit/>
-          </a:bodyPr>
-          <a:lstStyle/>
-          <a:p>
-            <a:r>
-              <a:rPr lang="en-US" altLang="zh-CN" sz="1600" dirty="0"/>
-              <a:t>https://github.com/bdfzoier/Monkey_Type</a:t>
-            </a:r>
-            <a:endParaRPr lang="zh-CN" altLang="en-US" sz="1600" dirty="0"/>
-          </a:p>
-        </p:txBody>
-      </p:sp>
+      <p:pic>
+        <p:nvPicPr>
+          <p:cNvPr id="6" name="内容占位符 5">
+            <a:extLst>
+              <a:ext uri="{FF2B5EF4-FFF2-40B4-BE49-F238E27FC236}">
+                <a16:creationId xmlns:a16="http://schemas.microsoft.com/office/drawing/2014/main" id="{3F68F85D-45F8-4509-BEFE-B12D25AF08B4}"/>
+              </a:ext>
+            </a:extLst>
+          </p:cNvPr>
+          <p:cNvPicPr>
+            <a:picLocks noGrp="1" noChangeAspect="1"/>
+          </p:cNvPicPr>
+          <p:nvPr>
+            <p:ph idx="1"/>
+          </p:nvPr>
+        </p:nvPicPr>
+        <p:blipFill>
+          <a:blip r:embed="rId2">
+            <a:extLst>
+              <a:ext uri="{28A0092B-C50C-407E-A947-70E740481C1C}">
+                <a14:useLocalDpi xmlns:a14="http://schemas.microsoft.com/office/drawing/2010/main" val="0"/>
+              </a:ext>
+            </a:extLst>
+          </a:blip>
+          <a:stretch>
+            <a:fillRect/>
+          </a:stretch>
+        </p:blipFill>
+        <p:spPr>
+          <a:xfrm>
+            <a:off x="2747206" y="1056768"/>
+            <a:ext cx="3649588" cy="4744464"/>
+          </a:xfrm>
+        </p:spPr>
+      </p:pic>
     </p:spTree>
     <p:extLst>
       <p:ext uri="{BB962C8B-B14F-4D97-AF65-F5344CB8AC3E}">
-        <p14:creationId xmlns:p14="http://schemas.microsoft.com/office/powerpoint/2010/main" val="3593028772"/>
+        <p14:creationId xmlns:p14="http://schemas.microsoft.com/office/powerpoint/2010/main" val="1388143708"/>
       </p:ext>
     </p:extLst>
   </p:cSld>
@@ -6698,6 +6686,211 @@
 </file>
 
 <file path=ppt/slides/slide20.xml><?xml version="1.0" encoding="utf-8"?>
+<p:sld xmlns:a="http://schemas.openxmlformats.org/drawingml/2006/main" xmlns:r="http://schemas.openxmlformats.org/officeDocument/2006/relationships" xmlns:p="http://schemas.openxmlformats.org/presentationml/2006/main">
+  <p:cSld>
+    <p:spTree>
+      <p:nvGrpSpPr>
+        <p:cNvPr id="1" name=""/>
+        <p:cNvGrpSpPr/>
+        <p:nvPr/>
+      </p:nvGrpSpPr>
+      <p:grpSpPr>
+        <a:xfrm>
+          <a:off x="0" y="0"/>
+          <a:ext cx="0" cy="0"/>
+          <a:chOff x="0" y="0"/>
+          <a:chExt cx="0" cy="0"/>
+        </a:xfrm>
+      </p:grpSpPr>
+      <p:sp>
+        <p:nvSpPr>
+          <p:cNvPr id="2" name="标题 1">
+            <a:extLst>
+              <a:ext uri="{FF2B5EF4-FFF2-40B4-BE49-F238E27FC236}">
+                <a16:creationId xmlns:a16="http://schemas.microsoft.com/office/drawing/2014/main" id="{A5AA7EBD-BD79-4907-8652-E9D548011432}"/>
+              </a:ext>
+            </a:extLst>
+          </p:cNvPr>
+          <p:cNvSpPr>
+            <a:spLocks noGrp="1"/>
+          </p:cNvSpPr>
+          <p:nvPr>
+            <p:ph type="title"/>
+          </p:nvPr>
+        </p:nvSpPr>
+        <p:spPr/>
+        <p:txBody>
+          <a:bodyPr>
+            <a:normAutofit/>
+          </a:bodyPr>
+          <a:lstStyle/>
+          <a:p>
+            <a:r>
+              <a:rPr lang="en-US" altLang="zh-CN" dirty="0"/>
+              <a:t>5 – </a:t>
+            </a:r>
+            <a:r>
+              <a:rPr lang="zh-CN" altLang="en-US" dirty="0"/>
+              <a:t>实现过程</a:t>
+            </a:r>
+            <a:r>
+              <a:rPr lang="en-US" altLang="zh-CN" dirty="0"/>
+              <a:t> </a:t>
+            </a:r>
+            <a:r>
+              <a:rPr lang="zh-CN" altLang="en-US" dirty="0"/>
+              <a:t>（</a:t>
+            </a:r>
+            <a:r>
+              <a:rPr lang="en-US" altLang="zh-CN" dirty="0"/>
+              <a:t>DFS</a:t>
+            </a:r>
+            <a:r>
+              <a:rPr lang="zh-CN" altLang="zh-CN" dirty="0"/>
+              <a:t>生成伪单词</a:t>
+            </a:r>
+            <a:r>
+              <a:rPr lang="zh-CN" altLang="en-US" dirty="0"/>
+              <a:t>）</a:t>
+            </a:r>
+          </a:p>
+        </p:txBody>
+      </p:sp>
+      <p:sp>
+        <p:nvSpPr>
+          <p:cNvPr id="3" name="内容占位符 2">
+            <a:extLst>
+              <a:ext uri="{FF2B5EF4-FFF2-40B4-BE49-F238E27FC236}">
+                <a16:creationId xmlns:a16="http://schemas.microsoft.com/office/drawing/2014/main" id="{7F6CD907-33CF-4EFC-A4AE-94F027BE3E9C}"/>
+              </a:ext>
+            </a:extLst>
+          </p:cNvPr>
+          <p:cNvSpPr>
+            <a:spLocks noGrp="1"/>
+          </p:cNvSpPr>
+          <p:nvPr>
+            <p:ph idx="1"/>
+          </p:nvPr>
+        </p:nvSpPr>
+        <p:spPr/>
+        <p:txBody>
+          <a:bodyPr>
+            <a:normAutofit/>
+          </a:bodyPr>
+          <a:lstStyle/>
+          <a:p>
+            <a:r>
+              <a:rPr lang="en-US" altLang="zh-CN" dirty="0"/>
+              <a:t>DFS</a:t>
+            </a:r>
+            <a:r>
+              <a:rPr lang="zh-CN" altLang="zh-CN" dirty="0"/>
+              <a:t>就是正常的深度优先搜索。先通过随机生成的组合来建成一个有向图，拥有</a:t>
+            </a:r>
+            <a:r>
+              <a:rPr lang="en-US" altLang="zh-CN" b="1" dirty="0"/>
+              <a:t>start</a:t>
+            </a:r>
+            <a:r>
+              <a:rPr lang="zh-CN" altLang="zh-CN" dirty="0"/>
+              <a:t>节点及</a:t>
+            </a:r>
+            <a:r>
+              <a:rPr lang="en-US" altLang="zh-CN" b="1" dirty="0"/>
+              <a:t>end</a:t>
+            </a:r>
+            <a:r>
+              <a:rPr lang="zh-CN" altLang="zh-CN" dirty="0"/>
+              <a:t>节点。深度优先搜索即从</a:t>
+            </a:r>
+            <a:r>
+              <a:rPr lang="en-US" altLang="zh-CN" b="1" dirty="0"/>
+              <a:t>start</a:t>
+            </a:r>
+            <a:r>
+              <a:rPr lang="zh-CN" altLang="zh-CN" dirty="0"/>
+              <a:t>节点开始搜索。由于图可能存在环状结构，因此可以通过给定的深度（单词部分的长度）来判断单词是否结束。通过此种方法，可以按照某种顺序生成出伪单词。</a:t>
+            </a:r>
+            <a:endParaRPr lang="en-US" altLang="zh-CN" dirty="0"/>
+          </a:p>
+          <a:p>
+            <a:r>
+              <a:rPr lang="zh-CN" altLang="zh-CN" dirty="0"/>
+              <a:t>这一步的原始数据完全依赖于上一步的随机单词。如果随机选出的单词出现了</a:t>
+            </a:r>
+            <a:r>
+              <a:rPr lang="en-US" altLang="zh-CN" dirty="0"/>
+              <a:t>o</a:t>
+            </a:r>
+            <a:r>
+              <a:rPr lang="zh-CN" altLang="zh-CN" dirty="0"/>
+              <a:t>接</a:t>
+            </a:r>
+            <a:r>
+              <a:rPr lang="en-US" altLang="zh-CN" dirty="0"/>
+              <a:t>n</a:t>
+            </a:r>
+            <a:r>
+              <a:rPr lang="zh-CN" altLang="zh-CN" dirty="0"/>
+              <a:t>，</a:t>
+            </a:r>
+            <a:r>
+              <a:rPr lang="en-US" altLang="zh-CN" dirty="0"/>
+              <a:t>n</a:t>
+            </a:r>
+            <a:r>
+              <a:rPr lang="zh-CN" altLang="zh-CN" dirty="0"/>
+              <a:t>接</a:t>
+            </a:r>
+            <a:r>
+              <a:rPr lang="en-US" altLang="zh-CN" dirty="0"/>
+              <a:t>o</a:t>
+            </a:r>
+            <a:r>
+              <a:rPr lang="zh-CN" altLang="zh-CN" dirty="0"/>
+              <a:t>的情况，生成出的单词将会出现像</a:t>
+            </a:r>
+            <a:r>
+              <a:rPr lang="en-US" altLang="zh-CN" dirty="0" err="1"/>
+              <a:t>nonononononono</a:t>
+            </a:r>
+            <a:r>
+              <a:rPr lang="zh-CN" altLang="zh-CN" dirty="0"/>
+              <a:t>一样的单词，所以对于</a:t>
+            </a:r>
+            <a:r>
+              <a:rPr lang="en-US" altLang="zh-CN" dirty="0" err="1"/>
+              <a:t>dfs</a:t>
+            </a:r>
+            <a:r>
+              <a:rPr lang="zh-CN" altLang="zh-CN" dirty="0"/>
+              <a:t>，我们同样需要对深度进行限制。</a:t>
+            </a:r>
+            <a:endParaRPr lang="en-US" altLang="zh-CN" dirty="0"/>
+          </a:p>
+          <a:p>
+            <a:r>
+              <a:rPr lang="zh-CN" altLang="en-US"/>
+              <a:t>如下图</a:t>
+            </a:r>
+            <a:endParaRPr lang="zh-CN" altLang="zh-CN" dirty="0"/>
+          </a:p>
+        </p:txBody>
+      </p:sp>
+    </p:spTree>
+    <p:extLst>
+      <p:ext uri="{BB962C8B-B14F-4D97-AF65-F5344CB8AC3E}">
+        <p14:creationId xmlns:p14="http://schemas.microsoft.com/office/powerpoint/2010/main" val="3969245877"/>
+      </p:ext>
+    </p:extLst>
+  </p:cSld>
+  <p:clrMapOvr>
+    <a:masterClrMapping/>
+  </p:clrMapOvr>
+</p:sld>
+</file>
+
+<file path=ppt/slides/slide21.xml><?xml version="1.0" encoding="utf-8"?>
 <p:sld xmlns:a="http://schemas.openxmlformats.org/drawingml/2006/main" xmlns:r="http://schemas.openxmlformats.org/officeDocument/2006/relationships" xmlns:p="http://schemas.openxmlformats.org/presentationml/2006/main">
   <p:cSld>
     <p:spTree>
@@ -6931,7 +7124,7 @@
 </p:sld>
 </file>
 
-<file path=ppt/slides/slide21.xml><?xml version="1.0" encoding="utf-8"?>
+<file path=ppt/slides/slide22.xml><?xml version="1.0" encoding="utf-8"?>
 <p:sld xmlns:a="http://schemas.openxmlformats.org/drawingml/2006/main" xmlns:r="http://schemas.openxmlformats.org/officeDocument/2006/relationships" xmlns:p="http://schemas.openxmlformats.org/presentationml/2006/main">
   <p:cSld>
     <p:spTree>
@@ -7280,7 +7473,7 @@
 </p:sld>
 </file>
 
-<file path=ppt/slides/slide22.xml><?xml version="1.0" encoding="utf-8"?>
+<file path=ppt/slides/slide23.xml><?xml version="1.0" encoding="utf-8"?>
 <p:sld xmlns:a="http://schemas.openxmlformats.org/drawingml/2006/main" xmlns:r="http://schemas.openxmlformats.org/officeDocument/2006/relationships" xmlns:p="http://schemas.openxmlformats.org/presentationml/2006/main">
   <p:cSld>
     <p:spTree>
@@ -7381,7 +7574,7 @@
 </p:sld>
 </file>
 
-<file path=ppt/slides/slide23.xml><?xml version="1.0" encoding="utf-8"?>
+<file path=ppt/slides/slide24.xml><?xml version="1.0" encoding="utf-8"?>
 <p:sld xmlns:a="http://schemas.openxmlformats.org/drawingml/2006/main" xmlns:r="http://schemas.openxmlformats.org/officeDocument/2006/relationships" xmlns:p="http://schemas.openxmlformats.org/presentationml/2006/main">
   <p:cSld>
     <p:spTree>
@@ -7963,109 +8156,6 @@
 </p:sld>
 </file>
 
-<file path=ppt/slides/slide24.xml><?xml version="1.0" encoding="utf-8"?>
-<p:sld xmlns:a="http://schemas.openxmlformats.org/drawingml/2006/main" xmlns:r="http://schemas.openxmlformats.org/officeDocument/2006/relationships" xmlns:p="http://schemas.openxmlformats.org/presentationml/2006/main">
-  <p:cSld>
-    <p:spTree>
-      <p:nvGrpSpPr>
-        <p:cNvPr id="1" name=""/>
-        <p:cNvGrpSpPr/>
-        <p:nvPr/>
-      </p:nvGrpSpPr>
-      <p:grpSpPr>
-        <a:xfrm>
-          <a:off x="0" y="0"/>
-          <a:ext cx="0" cy="0"/>
-          <a:chOff x="0" y="0"/>
-          <a:chExt cx="0" cy="0"/>
-        </a:xfrm>
-      </p:grpSpPr>
-      <p:sp>
-        <p:nvSpPr>
-          <p:cNvPr id="2" name="标题 1">
-            <a:extLst>
-              <a:ext uri="{FF2B5EF4-FFF2-40B4-BE49-F238E27FC236}">
-                <a16:creationId xmlns:a16="http://schemas.microsoft.com/office/drawing/2014/main" id="{F6E9142C-3B19-4A1D-BE48-EEDC445E37F7}"/>
-              </a:ext>
-            </a:extLst>
-          </p:cNvPr>
-          <p:cNvSpPr>
-            <a:spLocks noGrp="1"/>
-          </p:cNvSpPr>
-          <p:nvPr>
-            <p:ph type="title"/>
-          </p:nvPr>
-        </p:nvSpPr>
-        <p:spPr/>
-        <p:txBody>
-          <a:bodyPr/>
-          <a:lstStyle/>
-          <a:p>
-            <a:r>
-              <a:rPr lang="en-US" altLang="zh-CN" dirty="0"/>
-              <a:t>7 </a:t>
-            </a:r>
-            <a:r>
-              <a:rPr lang="zh-CN" altLang="zh-CN" dirty="0"/>
-              <a:t>项目意义与展望</a:t>
-            </a:r>
-            <a:endParaRPr lang="zh-CN" altLang="en-US" dirty="0"/>
-          </a:p>
-        </p:txBody>
-      </p:sp>
-      <p:sp>
-        <p:nvSpPr>
-          <p:cNvPr id="3" name="内容占位符 2">
-            <a:extLst>
-              <a:ext uri="{FF2B5EF4-FFF2-40B4-BE49-F238E27FC236}">
-                <a16:creationId xmlns:a16="http://schemas.microsoft.com/office/drawing/2014/main" id="{8F004A1B-D509-4B2D-A88E-7E24740826FE}"/>
-              </a:ext>
-            </a:extLst>
-          </p:cNvPr>
-          <p:cNvSpPr>
-            <a:spLocks noGrp="1"/>
-          </p:cNvSpPr>
-          <p:nvPr>
-            <p:ph idx="1"/>
-          </p:nvPr>
-        </p:nvSpPr>
-        <p:spPr/>
-        <p:txBody>
-          <a:bodyPr/>
-          <a:lstStyle/>
-          <a:p>
-            <a:r>
-              <a:rPr lang="zh-CN" altLang="zh-CN" dirty="0"/>
-              <a:t>这个项目可能在拼写检查中有所意义，因为生成单词的逆操作其实就是检查某个单词是否合法，如果我们的程序能获得足够的单词数据，就能判断某个单词是否在我们生成的图中存在。</a:t>
-            </a:r>
-          </a:p>
-          <a:p>
-            <a:r>
-              <a:rPr lang="zh-CN" altLang="zh-CN" dirty="0"/>
-              <a:t>如果利用这种算法改进拼写检查的算法，便不需要将所有的单词都存储下来（因为我们的算法在存储过程中仅仅会保留单词之间有差异的部分），能有效的节省存储空间。</a:t>
-            </a:r>
-          </a:p>
-          <a:p>
-            <a:r>
-              <a:rPr lang="zh-CN" altLang="zh-CN" dirty="0"/>
-              <a:t>不过如果需要实现到这一步，我们需要大幅提高我们生成单词过程的精确度，才能提供足够的准确拼写检查。</a:t>
-            </a:r>
-          </a:p>
-        </p:txBody>
-      </p:sp>
-    </p:spTree>
-    <p:extLst>
-      <p:ext uri="{BB962C8B-B14F-4D97-AF65-F5344CB8AC3E}">
-        <p14:creationId xmlns:p14="http://schemas.microsoft.com/office/powerpoint/2010/main" val="1625801919"/>
-      </p:ext>
-    </p:extLst>
-  </p:cSld>
-  <p:clrMapOvr>
-    <a:masterClrMapping/>
-  </p:clrMapOvr>
-</p:sld>
-</file>
-
 <file path=ppt/slides/slide25.xml><?xml version="1.0" encoding="utf-8"?>
 <p:sld xmlns:a="http://schemas.openxmlformats.org/drawingml/2006/main" xmlns:r="http://schemas.openxmlformats.org/officeDocument/2006/relationships" xmlns:p="http://schemas.openxmlformats.org/presentationml/2006/main">
   <p:cSld>
@@ -8106,6 +8196,109 @@
           <a:p>
             <a:r>
               <a:rPr lang="en-US" altLang="zh-CN" dirty="0"/>
+              <a:t>7 </a:t>
+            </a:r>
+            <a:r>
+              <a:rPr lang="zh-CN" altLang="zh-CN" dirty="0"/>
+              <a:t>项目意义与展望</a:t>
+            </a:r>
+            <a:endParaRPr lang="zh-CN" altLang="en-US" dirty="0"/>
+          </a:p>
+        </p:txBody>
+      </p:sp>
+      <p:sp>
+        <p:nvSpPr>
+          <p:cNvPr id="3" name="内容占位符 2">
+            <a:extLst>
+              <a:ext uri="{FF2B5EF4-FFF2-40B4-BE49-F238E27FC236}">
+                <a16:creationId xmlns:a16="http://schemas.microsoft.com/office/drawing/2014/main" id="{8F004A1B-D509-4B2D-A88E-7E24740826FE}"/>
+              </a:ext>
+            </a:extLst>
+          </p:cNvPr>
+          <p:cNvSpPr>
+            <a:spLocks noGrp="1"/>
+          </p:cNvSpPr>
+          <p:nvPr>
+            <p:ph idx="1"/>
+          </p:nvPr>
+        </p:nvSpPr>
+        <p:spPr/>
+        <p:txBody>
+          <a:bodyPr/>
+          <a:lstStyle/>
+          <a:p>
+            <a:r>
+              <a:rPr lang="zh-CN" altLang="zh-CN" dirty="0"/>
+              <a:t>这个项目可能在拼写检查中有所意义，因为生成单词的逆操作其实就是检查某个单词是否合法，如果我们的程序能获得足够的单词数据，就能判断某个单词是否在我们生成的图中存在。</a:t>
+            </a:r>
+          </a:p>
+          <a:p>
+            <a:r>
+              <a:rPr lang="zh-CN" altLang="zh-CN" dirty="0"/>
+              <a:t>如果利用这种算法改进拼写检查的算法，便不需要将所有的单词都存储下来（因为我们的算法在存储过程中仅仅会保留单词之间有差异的部分），能有效的节省存储空间。</a:t>
+            </a:r>
+          </a:p>
+          <a:p>
+            <a:r>
+              <a:rPr lang="zh-CN" altLang="zh-CN" dirty="0"/>
+              <a:t>不过如果需要实现到这一步，我们需要大幅提高我们生成单词过程的精确度，才能提供足够的准确拼写检查。</a:t>
+            </a:r>
+          </a:p>
+        </p:txBody>
+      </p:sp>
+    </p:spTree>
+    <p:extLst>
+      <p:ext uri="{BB962C8B-B14F-4D97-AF65-F5344CB8AC3E}">
+        <p14:creationId xmlns:p14="http://schemas.microsoft.com/office/powerpoint/2010/main" val="1625801919"/>
+      </p:ext>
+    </p:extLst>
+  </p:cSld>
+  <p:clrMapOvr>
+    <a:masterClrMapping/>
+  </p:clrMapOvr>
+</p:sld>
+</file>
+
+<file path=ppt/slides/slide26.xml><?xml version="1.0" encoding="utf-8"?>
+<p:sld xmlns:a="http://schemas.openxmlformats.org/drawingml/2006/main" xmlns:r="http://schemas.openxmlformats.org/officeDocument/2006/relationships" xmlns:p="http://schemas.openxmlformats.org/presentationml/2006/main">
+  <p:cSld>
+    <p:spTree>
+      <p:nvGrpSpPr>
+        <p:cNvPr id="1" name=""/>
+        <p:cNvGrpSpPr/>
+        <p:nvPr/>
+      </p:nvGrpSpPr>
+      <p:grpSpPr>
+        <a:xfrm>
+          <a:off x="0" y="0"/>
+          <a:ext cx="0" cy="0"/>
+          <a:chOff x="0" y="0"/>
+          <a:chExt cx="0" cy="0"/>
+        </a:xfrm>
+      </p:grpSpPr>
+      <p:sp>
+        <p:nvSpPr>
+          <p:cNvPr id="2" name="标题 1">
+            <a:extLst>
+              <a:ext uri="{FF2B5EF4-FFF2-40B4-BE49-F238E27FC236}">
+                <a16:creationId xmlns:a16="http://schemas.microsoft.com/office/drawing/2014/main" id="{F6E9142C-3B19-4A1D-BE48-EEDC445E37F7}"/>
+              </a:ext>
+            </a:extLst>
+          </p:cNvPr>
+          <p:cNvSpPr>
+            <a:spLocks noGrp="1"/>
+          </p:cNvSpPr>
+          <p:nvPr>
+            <p:ph type="title"/>
+          </p:nvPr>
+        </p:nvSpPr>
+        <p:spPr/>
+        <p:txBody>
+          <a:bodyPr/>
+          <a:lstStyle/>
+          <a:p>
+            <a:r>
+              <a:rPr lang="en-US" altLang="zh-CN" dirty="0"/>
               <a:t>8 </a:t>
             </a:r>
             <a:r>
@@ -8193,7 +8386,7 @@
 </p:sld>
 </file>
 
-<file path=ppt/slides/slide26.xml><?xml version="1.0" encoding="utf-8"?>
+<file path=ppt/slides/slide27.xml><?xml version="1.0" encoding="utf-8"?>
 <p:sld xmlns:a="http://schemas.openxmlformats.org/drawingml/2006/main" xmlns:r="http://schemas.openxmlformats.org/officeDocument/2006/relationships" xmlns:p="http://schemas.openxmlformats.org/presentationml/2006/main">
   <p:cSld>
     <p:spTree>
@@ -8350,177 +8543,41 @@
           <a:lstStyle/>
           <a:p>
             <a:r>
-              <a:rPr lang="en-US" altLang="zh-CN" dirty="0"/>
-              <a:t>0</a:t>
-            </a:r>
-            <a:r>
-              <a:rPr lang="zh-CN" altLang="en-US" dirty="0"/>
-              <a:t> </a:t>
-            </a:r>
-            <a:r>
-              <a:rPr lang="en-US" altLang="zh-CN" dirty="0"/>
-              <a:t>– </a:t>
-            </a:r>
-            <a:r>
-              <a:rPr lang="zh-CN" altLang="en-US" dirty="0"/>
-              <a:t>序言</a:t>
-            </a:r>
-          </a:p>
-        </p:txBody>
-      </p:sp>
-      <p:sp>
-        <p:nvSpPr>
-          <p:cNvPr id="3" name="内容占位符 2"/>
-          <p:cNvSpPr>
-            <a:spLocks noGrp="1"/>
-          </p:cNvSpPr>
-          <p:nvPr>
-            <p:ph sz="half" idx="1"/>
-          </p:nvPr>
-        </p:nvSpPr>
-        <p:spPr>
-          <a:xfrm>
-            <a:off x="1543049" y="1220137"/>
-            <a:ext cx="3810000" cy="2640911"/>
-          </a:xfrm>
-        </p:spPr>
-        <p:txBody>
-          <a:bodyPr/>
-          <a:lstStyle/>
-          <a:p>
-            <a:r>
-              <a:rPr lang="en-US" altLang="zh-CN" dirty="0" err="1"/>
-              <a:t>aaliis</a:t>
-            </a:r>
-            <a:endParaRPr lang="en-US" altLang="zh-CN" dirty="0"/>
-          </a:p>
-          <a:p>
-            <a:r>
-              <a:rPr lang="en-US" altLang="zh-CN" dirty="0" err="1"/>
-              <a:t>estheriidae</a:t>
-            </a:r>
-            <a:endParaRPr lang="en-US" altLang="zh-CN" dirty="0"/>
-          </a:p>
-          <a:p>
-            <a:r>
-              <a:rPr lang="en-US" altLang="zh-CN" dirty="0" err="1"/>
-              <a:t>immorigerousness</a:t>
-            </a:r>
-            <a:endParaRPr lang="en-US" altLang="zh-CN" dirty="0"/>
-          </a:p>
-          <a:p>
-            <a:r>
-              <a:rPr lang="en-US" altLang="zh-CN" dirty="0" err="1"/>
-              <a:t>overmelodiousness</a:t>
-            </a:r>
-            <a:endParaRPr lang="zh-CN" altLang="en-US" dirty="0"/>
-          </a:p>
-          <a:p>
-            <a:r>
-              <a:rPr lang="en-US" altLang="zh-CN" dirty="0" err="1"/>
-              <a:t>unplummeted</a:t>
-            </a:r>
-            <a:endParaRPr lang="en-US" altLang="zh-CN" dirty="0"/>
-          </a:p>
-        </p:txBody>
-      </p:sp>
-      <p:sp>
-        <p:nvSpPr>
-          <p:cNvPr id="4" name="内容占位符 3"/>
-          <p:cNvSpPr>
-            <a:spLocks noGrp="1"/>
-          </p:cNvSpPr>
-          <p:nvPr>
-            <p:ph sz="half" idx="2"/>
-          </p:nvPr>
-        </p:nvSpPr>
-        <p:spPr>
-          <a:xfrm>
-            <a:off x="5382683" y="1220137"/>
-            <a:ext cx="3820587" cy="2640911"/>
-          </a:xfrm>
-        </p:spPr>
-        <p:txBody>
-          <a:bodyPr/>
-          <a:lstStyle/>
-          <a:p>
-            <a:r>
-              <a:rPr lang="en-US" altLang="zh-CN" dirty="0" err="1"/>
-              <a:t>sweath</a:t>
-            </a:r>
-            <a:endParaRPr lang="en-US" altLang="zh-CN" dirty="0"/>
-          </a:p>
-          <a:p>
-            <a:r>
-              <a:rPr lang="en-US" altLang="zh-CN" dirty="0" err="1"/>
-              <a:t>chavely</a:t>
-            </a:r>
-            <a:endParaRPr lang="en-US" altLang="zh-CN" dirty="0"/>
-          </a:p>
-          <a:p>
-            <a:r>
-              <a:rPr lang="en-US" altLang="zh-CN" dirty="0" err="1"/>
-              <a:t>hattest</a:t>
-            </a:r>
-            <a:endParaRPr lang="en-US" altLang="zh-CN" dirty="0"/>
-          </a:p>
-          <a:p>
-            <a:r>
-              <a:rPr lang="en-US" altLang="zh-CN" dirty="0" err="1"/>
-              <a:t>pagun</a:t>
-            </a:r>
-            <a:endParaRPr lang="en-US" altLang="zh-CN" dirty="0"/>
-          </a:p>
-          <a:p>
-            <a:r>
-              <a:rPr lang="en-US" altLang="zh-CN" dirty="0" err="1"/>
-              <a:t>suctent</a:t>
-            </a:r>
-            <a:endParaRPr lang="zh-CN" altLang="en-US" dirty="0"/>
-          </a:p>
-        </p:txBody>
-      </p:sp>
-      <p:sp>
-        <p:nvSpPr>
-          <p:cNvPr id="5" name="TextBox 4"/>
-          <p:cNvSpPr txBox="1"/>
-          <p:nvPr/>
-        </p:nvSpPr>
-        <p:spPr>
-          <a:xfrm>
-            <a:off x="2411760" y="3933056"/>
-            <a:ext cx="5211683" cy="597215"/>
-          </a:xfrm>
-          <a:prstGeom prst="rect">
-            <a:avLst/>
-          </a:prstGeom>
-          <a:noFill/>
-        </p:spPr>
-        <p:txBody>
-          <a:bodyPr wrap="none" rtlCol="0">
-            <a:spAutoFit/>
+              <a:rPr lang="zh-CN" altLang="en-US" dirty="0"/>
+              <a:t>开源项目地址</a:t>
+            </a:r>
+          </a:p>
+        </p:txBody>
+      </p:sp>
+      <p:sp>
+        <p:nvSpPr>
+          <p:cNvPr id="3" name="文本占位符 2"/>
+          <p:cNvSpPr>
+            <a:spLocks noGrp="1"/>
+          </p:cNvSpPr>
+          <p:nvPr>
+            <p:ph type="body" idx="1"/>
+          </p:nvPr>
+        </p:nvSpPr>
+        <p:spPr/>
+        <p:txBody>
+          <a:bodyPr>
+            <a:noAutofit/>
           </a:bodyPr>
           <a:lstStyle/>
           <a:p>
-            <a:pPr>
-              <a:lnSpc>
-                <a:spcPct val="130000"/>
-              </a:lnSpc>
-            </a:pPr>
-            <a:r>
-              <a:rPr lang="zh-CN" altLang="en-US" sz="2800" dirty="0">
-                <a:latin typeface="Arial" panose="020B0604020202020204" pitchFamily="34" charset="0"/>
-                <a:ea typeface="微软雅黑" panose="020B0503020204020204" pitchFamily="34" charset="-122"/>
-              </a:rPr>
-              <a:t>哪一边看起来像是真正的单词？</a:t>
-            </a:r>
+            <a:r>
+              <a:rPr lang="en-US" altLang="zh-CN" sz="1600" dirty="0"/>
+              <a:t>https://github.com/bdfzoier/Monkey_Type</a:t>
+            </a:r>
+            <a:endParaRPr lang="zh-CN" altLang="en-US" sz="1600" dirty="0"/>
           </a:p>
         </p:txBody>
       </p:sp>
     </p:spTree>
     <p:extLst>
       <p:ext uri="{BB962C8B-B14F-4D97-AF65-F5344CB8AC3E}">
-        <p14:creationId xmlns:p14="http://schemas.microsoft.com/office/powerpoint/2010/main" val="115364949"/>
+        <p14:creationId xmlns:p14="http://schemas.microsoft.com/office/powerpoint/2010/main" val="3593028772"/>
       </p:ext>
     </p:extLst>
   </p:cSld>
@@ -8564,11 +8621,19 @@
           <a:p>
             <a:r>
               <a:rPr lang="en-US" altLang="zh-CN" dirty="0"/>
-              <a:t>1.1 – </a:t>
-            </a:r>
-            <a:r>
-              <a:rPr lang="zh-CN" altLang="en-US" dirty="0"/>
-              <a:t>引言</a:t>
+              <a:t>0</a:t>
+            </a:r>
+            <a:r>
+              <a:rPr lang="zh-CN" altLang="en-US" dirty="0"/>
+              <a:t> </a:t>
+            </a:r>
+            <a:r>
+              <a:rPr lang="en-US" altLang="zh-CN" dirty="0"/>
+              <a:t>– </a:t>
+            </a:r>
+            <a:r>
+              <a:rPr lang="zh-CN" altLang="en-US" dirty="0"/>
+              <a:t>序言</a:t>
             </a:r>
           </a:p>
         </p:txBody>
@@ -8580,40 +8645,144 @@
             <a:spLocks noGrp="1"/>
           </p:cNvSpPr>
           <p:nvPr>
-            <p:ph idx="1"/>
-          </p:nvPr>
-        </p:nvSpPr>
-        <p:spPr/>
+            <p:ph sz="half" idx="1"/>
+          </p:nvPr>
+        </p:nvSpPr>
+        <p:spPr>
+          <a:xfrm>
+            <a:off x="1543049" y="1220137"/>
+            <a:ext cx="3810000" cy="2640911"/>
+          </a:xfrm>
+        </p:spPr>
         <p:txBody>
           <a:bodyPr/>
           <a:lstStyle/>
           <a:p>
             <a:r>
-              <a:rPr lang="zh-CN" altLang="en-US" dirty="0"/>
-              <a:t>猴子打字项目是什么？</a:t>
+              <a:rPr lang="en-US" altLang="zh-CN" dirty="0" err="1"/>
+              <a:t>aaliis</a:t>
             </a:r>
             <a:endParaRPr lang="en-US" altLang="zh-CN" dirty="0"/>
           </a:p>
           <a:p>
+            <a:r>
+              <a:rPr lang="en-US" altLang="zh-CN" dirty="0" err="1"/>
+              <a:t>estheriidae</a:t>
+            </a:r>
             <a:endParaRPr lang="en-US" altLang="zh-CN" dirty="0"/>
           </a:p>
           <a:p>
+            <a:r>
+              <a:rPr lang="en-US" altLang="zh-CN" dirty="0" err="1"/>
+              <a:t>immorigerousness</a:t>
+            </a:r>
             <a:endParaRPr lang="en-US" altLang="zh-CN" dirty="0"/>
           </a:p>
           <a:p>
             <a:r>
-              <a:rPr lang="zh-CN" altLang="en-US" dirty="0"/>
-              <a:t>脸滚键盘能生成真正单词的概率如何？</a:t>
+              <a:rPr lang="en-US" altLang="zh-CN" dirty="0" err="1"/>
+              <a:t>overmelodiousness</a:t>
+            </a:r>
+            <a:endParaRPr lang="zh-CN" altLang="en-US" dirty="0"/>
+          </a:p>
+          <a:p>
+            <a:r>
+              <a:rPr lang="en-US" altLang="zh-CN" dirty="0" err="1"/>
+              <a:t>unplummeted</a:t>
             </a:r>
             <a:endParaRPr lang="en-US" altLang="zh-CN" dirty="0"/>
           </a:p>
-          <a:p>
+        </p:txBody>
+      </p:sp>
+      <p:sp>
+        <p:nvSpPr>
+          <p:cNvPr id="4" name="内容占位符 3"/>
+          <p:cNvSpPr>
+            <a:spLocks noGrp="1"/>
+          </p:cNvSpPr>
+          <p:nvPr>
+            <p:ph sz="half" idx="2"/>
+          </p:nvPr>
+        </p:nvSpPr>
+        <p:spPr>
+          <a:xfrm>
+            <a:off x="5382683" y="1220137"/>
+            <a:ext cx="3820587" cy="2640911"/>
+          </a:xfrm>
+        </p:spPr>
+        <p:txBody>
+          <a:bodyPr/>
+          <a:lstStyle/>
+          <a:p>
+            <a:r>
+              <a:rPr lang="en-US" altLang="zh-CN" dirty="0" err="1"/>
+              <a:t>sweath</a:t>
+            </a:r>
             <a:endParaRPr lang="en-US" altLang="zh-CN" dirty="0"/>
           </a:p>
           <a:p>
             <a:r>
-              <a:rPr lang="zh-CN" altLang="en-US" dirty="0"/>
-              <a:t>我们能做到什么？</a:t>
+              <a:rPr lang="en-US" altLang="zh-CN" dirty="0" err="1"/>
+              <a:t>chavely</a:t>
+            </a:r>
+            <a:endParaRPr lang="en-US" altLang="zh-CN" dirty="0"/>
+          </a:p>
+          <a:p>
+            <a:r>
+              <a:rPr lang="en-US" altLang="zh-CN" dirty="0" err="1"/>
+              <a:t>hattest</a:t>
+            </a:r>
+            <a:endParaRPr lang="en-US" altLang="zh-CN" dirty="0"/>
+          </a:p>
+          <a:p>
+            <a:r>
+              <a:rPr lang="en-US" altLang="zh-CN" dirty="0" err="1"/>
+              <a:t>pagun</a:t>
+            </a:r>
+            <a:endParaRPr lang="en-US" altLang="zh-CN" dirty="0"/>
+          </a:p>
+          <a:p>
+            <a:r>
+              <a:rPr lang="en-US" altLang="zh-CN" dirty="0" err="1"/>
+              <a:t>suctent</a:t>
+            </a:r>
+            <a:endParaRPr lang="zh-CN" altLang="en-US" dirty="0"/>
+          </a:p>
+        </p:txBody>
+      </p:sp>
+      <p:sp>
+        <p:nvSpPr>
+          <p:cNvPr id="5" name="TextBox 4"/>
+          <p:cNvSpPr txBox="1"/>
+          <p:nvPr/>
+        </p:nvSpPr>
+        <p:spPr>
+          <a:xfrm>
+            <a:off x="2411760" y="3933056"/>
+            <a:ext cx="5211683" cy="597215"/>
+          </a:xfrm>
+          <a:prstGeom prst="rect">
+            <a:avLst/>
+          </a:prstGeom>
+          <a:noFill/>
+        </p:spPr>
+        <p:txBody>
+          <a:bodyPr wrap="none" rtlCol="0">
+            <a:spAutoFit/>
+          </a:bodyPr>
+          <a:lstStyle/>
+          <a:p>
+            <a:pPr>
+              <a:lnSpc>
+                <a:spcPct val="130000"/>
+              </a:lnSpc>
+            </a:pPr>
+            <a:r>
+              <a:rPr lang="zh-CN" altLang="en-US" sz="2800" dirty="0">
+                <a:latin typeface="Arial" panose="020B0604020202020204" pitchFamily="34" charset="0"/>
+                <a:ea typeface="微软雅黑" panose="020B0503020204020204" pitchFamily="34" charset="-122"/>
+              </a:rPr>
+              <a:t>哪一边看起来像是真正的单词？</a:t>
             </a:r>
           </a:p>
         </p:txBody>
@@ -8621,7 +8790,7 @@
     </p:spTree>
     <p:extLst>
       <p:ext uri="{BB962C8B-B14F-4D97-AF65-F5344CB8AC3E}">
-        <p14:creationId xmlns:p14="http://schemas.microsoft.com/office/powerpoint/2010/main" val="3661414511"/>
+        <p14:creationId xmlns:p14="http://schemas.microsoft.com/office/powerpoint/2010/main" val="115364949"/>
       </p:ext>
     </p:extLst>
   </p:cSld>
@@ -8696,24 +8865,9 @@
             <a:endParaRPr lang="en-US" altLang="zh-CN" dirty="0"/>
           </a:p>
           <a:p>
-            <a:r>
-              <a:rPr lang="zh-CN" altLang="en-US" dirty="0"/>
-              <a:t>猴子打字项目是一个能够机器学习已有词库并且用一阶</a:t>
-            </a:r>
             <a:endParaRPr lang="en-US" altLang="zh-CN" dirty="0"/>
           </a:p>
           <a:p>
-            <a:pPr marL="0" indent="0">
-              <a:buNone/>
-            </a:pPr>
-            <a:r>
-              <a:rPr lang="en-US" altLang="zh-CN" dirty="0"/>
-              <a:t>   </a:t>
-            </a:r>
-            <a:r>
-              <a:rPr lang="zh-CN" altLang="en-US" dirty="0"/>
-              <a:t>马尔可夫链生成伪单词的程序。</a:t>
-            </a:r>
             <a:endParaRPr lang="en-US" altLang="zh-CN" dirty="0"/>
           </a:p>
           <a:p>
@@ -8724,55 +8878,12 @@
             <a:endParaRPr lang="en-US" altLang="zh-CN" dirty="0"/>
           </a:p>
           <a:p>
-            <a:r>
-              <a:rPr lang="zh-CN" altLang="en-US" dirty="0"/>
-              <a:t>是你连续买</a:t>
-            </a:r>
-            <a:r>
-              <a:rPr lang="en-US" altLang="zh-CN" dirty="0"/>
-              <a:t>4</a:t>
-            </a:r>
-            <a:r>
-              <a:rPr lang="zh-CN" altLang="en-US" dirty="0"/>
-              <a:t>张彩票，</a:t>
-            </a:r>
-            <a:r>
-              <a:rPr lang="en-US" altLang="zh-CN" dirty="0"/>
-              <a:t>3</a:t>
-            </a:r>
-            <a:r>
-              <a:rPr lang="zh-CN" altLang="en-US" dirty="0"/>
-              <a:t>张中</a:t>
-            </a:r>
-            <a:r>
-              <a:rPr lang="en-US" altLang="zh-CN" dirty="0"/>
-              <a:t>500</a:t>
-            </a:r>
-            <a:r>
-              <a:rPr lang="zh-CN" altLang="en-US" dirty="0"/>
-              <a:t>万的几率。</a:t>
-            </a:r>
             <a:endParaRPr lang="en-US" altLang="zh-CN" dirty="0"/>
           </a:p>
           <a:p>
             <a:r>
               <a:rPr lang="zh-CN" altLang="en-US" dirty="0"/>
               <a:t>我们能做到什么？</a:t>
-            </a:r>
-            <a:endParaRPr lang="en-US" altLang="zh-CN" dirty="0"/>
-          </a:p>
-          <a:p>
-            <a:r>
-              <a:rPr lang="zh-CN" altLang="en-US" dirty="0"/>
-              <a:t>让生成的单词几乎全部可以满足发音规则，并且把生成真正单词的几率提升到</a:t>
-            </a:r>
-            <a:r>
-              <a:rPr lang="en-US" altLang="zh-CN" dirty="0"/>
-              <a:t>20%</a:t>
-            </a:r>
-            <a:r>
-              <a:rPr lang="zh-CN" altLang="en-US" dirty="0"/>
-              <a:t>。</a:t>
             </a:r>
           </a:p>
         </p:txBody>
@@ -8780,7 +8891,7 @@
     </p:spTree>
     <p:extLst>
       <p:ext uri="{BB962C8B-B14F-4D97-AF65-F5344CB8AC3E}">
-        <p14:creationId xmlns:p14="http://schemas.microsoft.com/office/powerpoint/2010/main" val="3707367866"/>
+        <p14:creationId xmlns:p14="http://schemas.microsoft.com/office/powerpoint/2010/main" val="3661414511"/>
       </p:ext>
     </p:extLst>
   </p:cSld>
@@ -8824,11 +8935,11 @@
           <a:p>
             <a:r>
               <a:rPr lang="en-US" altLang="zh-CN" dirty="0"/>
-              <a:t>1.2 – </a:t>
-            </a:r>
-            <a:r>
-              <a:rPr lang="zh-CN" altLang="en-US" dirty="0"/>
-              <a:t>关键词</a:t>
+              <a:t>1.1 – </a:t>
+            </a:r>
+            <a:r>
+              <a:rPr lang="zh-CN" altLang="en-US" dirty="0"/>
+              <a:t>引言</a:t>
             </a:r>
           </a:p>
         </p:txBody>
@@ -8850,29 +8961,88 @@
           <a:p>
             <a:r>
               <a:rPr lang="zh-CN" altLang="en-US" dirty="0"/>
-              <a:t>机器学习（</a:t>
-            </a:r>
-            <a:r>
-              <a:rPr lang="en-US" altLang="zh-CN" dirty="0"/>
-              <a:t>Machine Learning</a:t>
-            </a:r>
-            <a:r>
-              <a:rPr lang="zh-CN" altLang="en-US" dirty="0"/>
-              <a:t>）</a:t>
+              <a:t>猴子打字项目是什么？</a:t>
             </a:r>
             <a:endParaRPr lang="en-US" altLang="zh-CN" dirty="0"/>
           </a:p>
           <a:p>
             <a:r>
               <a:rPr lang="zh-CN" altLang="en-US" dirty="0"/>
-              <a:t>马尔可夫链</a:t>
+              <a:t>猴子打字项目是一个能够机器学习已有词库并且用一阶</a:t>
             </a:r>
             <a:endParaRPr lang="en-US" altLang="zh-CN" dirty="0"/>
           </a:p>
           <a:p>
-            <a:r>
-              <a:rPr lang="zh-CN" altLang="en-US" dirty="0"/>
-              <a:t>生成单词</a:t>
+            <a:pPr marL="0" indent="0">
+              <a:buNone/>
+            </a:pPr>
+            <a:r>
+              <a:rPr lang="en-US" altLang="zh-CN" dirty="0"/>
+              <a:t>   </a:t>
+            </a:r>
+            <a:r>
+              <a:rPr lang="zh-CN" altLang="en-US" dirty="0"/>
+              <a:t>马尔可夫链生成伪单词的程序。</a:t>
+            </a:r>
+            <a:endParaRPr lang="en-US" altLang="zh-CN" dirty="0"/>
+          </a:p>
+          <a:p>
+            <a:r>
+              <a:rPr lang="zh-CN" altLang="en-US" dirty="0"/>
+              <a:t>脸滚键盘能生成真正单词的概率如何？</a:t>
+            </a:r>
+            <a:endParaRPr lang="en-US" altLang="zh-CN" dirty="0"/>
+          </a:p>
+          <a:p>
+            <a:r>
+              <a:rPr lang="zh-CN" altLang="en-US" dirty="0"/>
+              <a:t>是你连续买</a:t>
+            </a:r>
+            <a:r>
+              <a:rPr lang="en-US" altLang="zh-CN" dirty="0"/>
+              <a:t>4</a:t>
+            </a:r>
+            <a:r>
+              <a:rPr lang="zh-CN" altLang="en-US" dirty="0"/>
+              <a:t>张彩票，</a:t>
+            </a:r>
+            <a:r>
+              <a:rPr lang="en-US" altLang="zh-CN" dirty="0"/>
+              <a:t>3</a:t>
+            </a:r>
+            <a:r>
+              <a:rPr lang="zh-CN" altLang="en-US" dirty="0"/>
+              <a:t>张中</a:t>
+            </a:r>
+            <a:r>
+              <a:rPr lang="en-US" altLang="zh-CN" dirty="0"/>
+              <a:t>500</a:t>
+            </a:r>
+            <a:r>
+              <a:rPr lang="zh-CN" altLang="en-US" dirty="0"/>
+              <a:t>万的几率。</a:t>
+            </a:r>
+            <a:endParaRPr lang="en-US" altLang="zh-CN" dirty="0"/>
+          </a:p>
+          <a:p>
+            <a:r>
+              <a:rPr lang="zh-CN" altLang="en-US" dirty="0"/>
+              <a:t>我们能做到什么？</a:t>
+            </a:r>
+            <a:endParaRPr lang="en-US" altLang="zh-CN" dirty="0"/>
+          </a:p>
+          <a:p>
+            <a:r>
+              <a:rPr lang="zh-CN" altLang="en-US" dirty="0"/>
+              <a:t>让生成的单词几乎全部可以满足发音规则，并且把生成真正单词的几率提升到</a:t>
+            </a:r>
+            <a:r>
+              <a:rPr lang="en-US" altLang="zh-CN" dirty="0"/>
+              <a:t>20%</a:t>
+            </a:r>
+            <a:r>
+              <a:rPr lang="zh-CN" altLang="en-US" dirty="0"/>
+              <a:t>。</a:t>
             </a:r>
           </a:p>
         </p:txBody>
@@ -8880,7 +9050,7 @@
     </p:spTree>
     <p:extLst>
       <p:ext uri="{BB962C8B-B14F-4D97-AF65-F5344CB8AC3E}">
-        <p14:creationId xmlns:p14="http://schemas.microsoft.com/office/powerpoint/2010/main" val="288670414"/>
+        <p14:creationId xmlns:p14="http://schemas.microsoft.com/office/powerpoint/2010/main" val="3707367866"/>
       </p:ext>
     </p:extLst>
   </p:cSld>
@@ -8924,6 +9094,106 @@
           <a:p>
             <a:r>
               <a:rPr lang="en-US" altLang="zh-CN" dirty="0"/>
+              <a:t>1.2 – </a:t>
+            </a:r>
+            <a:r>
+              <a:rPr lang="zh-CN" altLang="en-US" dirty="0"/>
+              <a:t>关键词</a:t>
+            </a:r>
+          </a:p>
+        </p:txBody>
+      </p:sp>
+      <p:sp>
+        <p:nvSpPr>
+          <p:cNvPr id="3" name="内容占位符 2"/>
+          <p:cNvSpPr>
+            <a:spLocks noGrp="1"/>
+          </p:cNvSpPr>
+          <p:nvPr>
+            <p:ph idx="1"/>
+          </p:nvPr>
+        </p:nvSpPr>
+        <p:spPr/>
+        <p:txBody>
+          <a:bodyPr/>
+          <a:lstStyle/>
+          <a:p>
+            <a:r>
+              <a:rPr lang="zh-CN" altLang="en-US" dirty="0"/>
+              <a:t>机器学习（</a:t>
+            </a:r>
+            <a:r>
+              <a:rPr lang="en-US" altLang="zh-CN" dirty="0"/>
+              <a:t>Machine Learning</a:t>
+            </a:r>
+            <a:r>
+              <a:rPr lang="zh-CN" altLang="en-US" dirty="0"/>
+              <a:t>）</a:t>
+            </a:r>
+            <a:endParaRPr lang="en-US" altLang="zh-CN" dirty="0"/>
+          </a:p>
+          <a:p>
+            <a:r>
+              <a:rPr lang="zh-CN" altLang="en-US" dirty="0"/>
+              <a:t>马尔可夫链</a:t>
+            </a:r>
+            <a:endParaRPr lang="en-US" altLang="zh-CN" dirty="0"/>
+          </a:p>
+          <a:p>
+            <a:r>
+              <a:rPr lang="zh-CN" altLang="en-US" dirty="0"/>
+              <a:t>生成单词</a:t>
+            </a:r>
+          </a:p>
+        </p:txBody>
+      </p:sp>
+    </p:spTree>
+    <p:extLst>
+      <p:ext uri="{BB962C8B-B14F-4D97-AF65-F5344CB8AC3E}">
+        <p14:creationId xmlns:p14="http://schemas.microsoft.com/office/powerpoint/2010/main" val="288670414"/>
+      </p:ext>
+    </p:extLst>
+  </p:cSld>
+  <p:clrMapOvr>
+    <a:masterClrMapping/>
+  </p:clrMapOvr>
+</p:sld>
+</file>
+
+<file path=ppt/slides/slide8.xml><?xml version="1.0" encoding="utf-8"?>
+<p:sld xmlns:a="http://schemas.openxmlformats.org/drawingml/2006/main" xmlns:r="http://schemas.openxmlformats.org/officeDocument/2006/relationships" xmlns:p="http://schemas.openxmlformats.org/presentationml/2006/main">
+  <p:cSld>
+    <p:spTree>
+      <p:nvGrpSpPr>
+        <p:cNvPr id="1" name=""/>
+        <p:cNvGrpSpPr/>
+        <p:nvPr/>
+      </p:nvGrpSpPr>
+      <p:grpSpPr>
+        <a:xfrm>
+          <a:off x="0" y="0"/>
+          <a:ext cx="0" cy="0"/>
+          <a:chOff x="0" y="0"/>
+          <a:chExt cx="0" cy="0"/>
+        </a:xfrm>
+      </p:grpSpPr>
+      <p:sp>
+        <p:nvSpPr>
+          <p:cNvPr id="2" name="标题 1"/>
+          <p:cNvSpPr>
+            <a:spLocks noGrp="1"/>
+          </p:cNvSpPr>
+          <p:nvPr>
+            <p:ph type="title"/>
+          </p:nvPr>
+        </p:nvSpPr>
+        <p:spPr/>
+        <p:txBody>
+          <a:bodyPr/>
+          <a:lstStyle/>
+          <a:p>
+            <a:r>
+              <a:rPr lang="en-US" altLang="zh-CN" dirty="0"/>
               <a:t>2.1 – </a:t>
             </a:r>
             <a:r>
@@ -9106,7 +9376,7 @@
 </p:sld>
 </file>
 
-<file path=ppt/slides/slide8.xml><?xml version="1.0" encoding="utf-8"?>
+<file path=ppt/slides/slide9.xml><?xml version="1.0" encoding="utf-8"?>
 <p:sld xmlns:a="http://schemas.openxmlformats.org/drawingml/2006/main" xmlns:r="http://schemas.openxmlformats.org/officeDocument/2006/relationships" xmlns:p="http://schemas.openxmlformats.org/presentationml/2006/main">
   <p:cSld>
     <p:spTree>
@@ -9311,210 +9581,6 @@
     <p:extLst>
       <p:ext uri="{BB962C8B-B14F-4D97-AF65-F5344CB8AC3E}">
         <p14:creationId xmlns:p14="http://schemas.microsoft.com/office/powerpoint/2010/main" val="3720116811"/>
-      </p:ext>
-    </p:extLst>
-  </p:cSld>
-  <p:clrMapOvr>
-    <a:masterClrMapping/>
-  </p:clrMapOvr>
-</p:sld>
-</file>
-
-<file path=ppt/slides/slide9.xml><?xml version="1.0" encoding="utf-8"?>
-<p:sld xmlns:a="http://schemas.openxmlformats.org/drawingml/2006/main" xmlns:r="http://schemas.openxmlformats.org/officeDocument/2006/relationships" xmlns:p="http://schemas.openxmlformats.org/presentationml/2006/main">
-  <p:cSld>
-    <p:spTree>
-      <p:nvGrpSpPr>
-        <p:cNvPr id="1" name=""/>
-        <p:cNvGrpSpPr/>
-        <p:nvPr/>
-      </p:nvGrpSpPr>
-      <p:grpSpPr>
-        <a:xfrm>
-          <a:off x="0" y="0"/>
-          <a:ext cx="0" cy="0"/>
-          <a:chOff x="0" y="0"/>
-          <a:chExt cx="0" cy="0"/>
-        </a:xfrm>
-      </p:grpSpPr>
-      <p:sp>
-        <p:nvSpPr>
-          <p:cNvPr id="2" name="标题 1"/>
-          <p:cNvSpPr>
-            <a:spLocks noGrp="1"/>
-          </p:cNvSpPr>
-          <p:nvPr>
-            <p:ph type="title"/>
-          </p:nvPr>
-        </p:nvSpPr>
-        <p:spPr/>
-        <p:txBody>
-          <a:bodyPr/>
-          <a:lstStyle/>
-          <a:p>
-            <a:r>
-              <a:rPr lang="en-US" altLang="zh-CN" dirty="0"/>
-              <a:t>2.2 – </a:t>
-            </a:r>
-            <a:r>
-              <a:rPr lang="zh-CN" altLang="en-US" dirty="0"/>
-              <a:t>构筑图论模型</a:t>
-            </a:r>
-          </a:p>
-        </p:txBody>
-      </p:sp>
-      <p:sp>
-        <p:nvSpPr>
-          <p:cNvPr id="4" name="内容占位符 3"/>
-          <p:cNvSpPr>
-            <a:spLocks noGrp="1"/>
-          </p:cNvSpPr>
-          <p:nvPr>
-            <p:ph idx="1"/>
-          </p:nvPr>
-        </p:nvSpPr>
-        <p:spPr>
-          <a:xfrm>
-            <a:off x="1543050" y="1061050"/>
-            <a:ext cx="7230015" cy="5032246"/>
-          </a:xfrm>
-        </p:spPr>
-        <p:txBody>
-          <a:bodyPr>
-            <a:normAutofit lnSpcReduction="10000"/>
-          </a:bodyPr>
-          <a:lstStyle/>
-          <a:p>
-            <a:r>
-              <a:rPr lang="zh-CN" altLang="en-US" dirty="0"/>
-              <a:t>接下来根据概率和随机生成的长度来生成单词，将路径上经过的所有节点连起来，就是一个新单词。</a:t>
-            </a:r>
-            <a:endParaRPr lang="en-US" altLang="zh-CN" dirty="0"/>
-          </a:p>
-          <a:p>
-            <a:r>
-              <a:rPr lang="zh-CN" altLang="en-US" dirty="0"/>
-              <a:t>给定的词库里词量越多，可生成新单词的数量也就越多。</a:t>
-            </a:r>
-            <a:endParaRPr lang="en-US" altLang="zh-CN" dirty="0"/>
-          </a:p>
-          <a:p>
-            <a:r>
-              <a:rPr lang="zh-CN" altLang="en-US" dirty="0"/>
-              <a:t>下面再来一个例子：</a:t>
-            </a:r>
-            <a:r>
-              <a:rPr lang="en-US" altLang="zh-CN" dirty="0" err="1"/>
-              <a:t>pumpkin+jumping</a:t>
-            </a:r>
-            <a:endParaRPr lang="en-US" altLang="zh-CN" dirty="0"/>
-          </a:p>
-          <a:p>
-            <a:endParaRPr lang="en-US" altLang="zh-CN" dirty="0"/>
-          </a:p>
-          <a:p>
-            <a:r>
-              <a:rPr lang="zh-CN" altLang="en-US" dirty="0"/>
-              <a:t>可以生成</a:t>
-            </a:r>
-            <a:endParaRPr lang="en-US" altLang="zh-CN" dirty="0"/>
-          </a:p>
-          <a:p>
-            <a:r>
-              <a:rPr lang="en-US" altLang="zh-CN" dirty="0"/>
-              <a:t>jumping </a:t>
-            </a:r>
-            <a:r>
-              <a:rPr lang="en-US" altLang="zh-CN" dirty="0" err="1"/>
-              <a:t>jumpkin</a:t>
-            </a:r>
-            <a:endParaRPr lang="en-US" altLang="zh-CN" dirty="0"/>
-          </a:p>
-          <a:p>
-            <a:r>
-              <a:rPr lang="en-US" altLang="zh-CN" dirty="0" err="1"/>
-              <a:t>jumpking</a:t>
-            </a:r>
-            <a:r>
-              <a:rPr lang="en-US" altLang="zh-CN" dirty="0"/>
-              <a:t> </a:t>
-            </a:r>
-            <a:r>
-              <a:rPr lang="en-US" altLang="zh-CN" dirty="0" err="1"/>
-              <a:t>jumpin</a:t>
-            </a:r>
-            <a:endParaRPr lang="en-US" altLang="zh-CN" dirty="0"/>
-          </a:p>
-          <a:p>
-            <a:r>
-              <a:rPr lang="en-US" altLang="zh-CN" dirty="0"/>
-              <a:t>pumping </a:t>
-            </a:r>
-            <a:r>
-              <a:rPr lang="en-US" altLang="zh-CN" dirty="0" err="1"/>
-              <a:t>pumpin</a:t>
-            </a:r>
-            <a:endParaRPr lang="en-US" altLang="zh-CN" dirty="0"/>
-          </a:p>
-          <a:p>
-            <a:r>
-              <a:rPr lang="en-US" altLang="zh-CN" dirty="0"/>
-              <a:t>pumpkin </a:t>
-            </a:r>
-            <a:r>
-              <a:rPr lang="en-US" altLang="zh-CN" dirty="0" err="1"/>
-              <a:t>pumpking</a:t>
-            </a:r>
-            <a:endParaRPr lang="en-US" altLang="zh-CN" dirty="0"/>
-          </a:p>
-          <a:p>
-            <a:r>
-              <a:rPr lang="zh-CN" altLang="en-US" dirty="0"/>
-              <a:t>这</a:t>
-            </a:r>
-            <a:r>
-              <a:rPr lang="en-US" altLang="zh-CN" dirty="0"/>
-              <a:t>8</a:t>
-            </a:r>
-            <a:r>
-              <a:rPr lang="zh-CN" altLang="en-US" dirty="0"/>
-              <a:t>个单词</a:t>
-            </a:r>
-            <a:endParaRPr lang="en-US" altLang="zh-CN" dirty="0"/>
-          </a:p>
-        </p:txBody>
-      </p:sp>
-      <p:pic>
-        <p:nvPicPr>
-          <p:cNvPr id="5" name="Picture"/>
-          <p:cNvPicPr/>
-          <p:nvPr/>
-        </p:nvPicPr>
-        <p:blipFill rotWithShape="1">
-          <a:blip r:embed="rId2"/>
-          <a:srcRect l="30130" t="7532" r="23506"/>
-          <a:stretch/>
-        </p:blipFill>
-        <p:spPr bwMode="auto">
-          <a:xfrm>
-            <a:off x="6732240" y="2996952"/>
-            <a:ext cx="1779954" cy="3549935"/>
-          </a:xfrm>
-          <a:prstGeom prst="rect">
-            <a:avLst/>
-          </a:prstGeom>
-          <a:noFill/>
-          <a:ln w="9525">
-            <a:noFill/>
-            <a:headEnd/>
-            <a:tailEnd/>
-          </a:ln>
-        </p:spPr>
-      </p:pic>
-    </p:spTree>
-    <p:extLst>
-      <p:ext uri="{BB962C8B-B14F-4D97-AF65-F5344CB8AC3E}">
-        <p14:creationId xmlns:p14="http://schemas.microsoft.com/office/powerpoint/2010/main" val="3488706258"/>
       </p:ext>
     </p:extLst>
   </p:cSld>
